--- a/diagrams/uml/classes/operations.pptx
+++ b/diagrams/uml/classes/operations.pptx
@@ -1,23 +1,20 @@
 
 <file path=ppt/presentation.xml><?xml version="1.0" encoding="utf-8"?>
-<p:presentation xmlns:a="http://schemas.openxmlformats.org/drawingml/2006/main" xmlns:r="http://schemas.openxmlformats.org/officeDocument/2006/relationships" xmlns:p="http://schemas.openxmlformats.org/presentationml/2006/main" firstSlideNum="425" showSpecialPlsOnTitleSld="0">
+<p:presentation xmlns:a="http://schemas.openxmlformats.org/drawingml/2006/main" xmlns:r="http://schemas.openxmlformats.org/officeDocument/2006/relationships" xmlns:p="http://schemas.openxmlformats.org/presentationml/2006/main" saveSubsetFonts="1">
   <p:sldMasterIdLst>
     <p:sldMasterId id="2147483648" r:id="rId1"/>
   </p:sldMasterIdLst>
-  <p:notesMasterIdLst>
-    <p:notesMasterId r:id="rId3"/>
-  </p:notesMasterIdLst>
   <p:sldIdLst>
-    <p:sldId id="1204" r:id="rId2"/>
+    <p:sldId id="256" r:id="rId2"/>
   </p:sldIdLst>
   <p:sldSz cx="9144000" cy="6858000" type="screen4x3"/>
-  <p:notesSz cx="7315200" cy="9601200"/>
+  <p:notesSz cx="6858000" cy="9144000"/>
   <p:defaultTextStyle>
     <a:defPPr>
       <a:defRPr lang="en-US"/>
     </a:defPPr>
-    <a:lvl1pPr marL="0" algn="l" defTabSz="872733" rtl="0" eaLnBrk="1" latinLnBrk="0" hangingPunct="1">
-      <a:defRPr sz="1700" kern="1200">
+    <a:lvl1pPr marL="0" algn="l" defTabSz="914400" rtl="0" eaLnBrk="1" latinLnBrk="0" hangingPunct="1">
+      <a:defRPr sz="1800" kern="1200">
         <a:solidFill>
           <a:schemeClr val="tx1"/>
         </a:solidFill>
@@ -26,8 +23,8 @@
         <a:cs typeface="+mn-cs"/>
       </a:defRPr>
     </a:lvl1pPr>
-    <a:lvl2pPr marL="436366" algn="l" defTabSz="872733" rtl="0" eaLnBrk="1" latinLnBrk="0" hangingPunct="1">
-      <a:defRPr sz="1700" kern="1200">
+    <a:lvl2pPr marL="457200" algn="l" defTabSz="914400" rtl="0" eaLnBrk="1" latinLnBrk="0" hangingPunct="1">
+      <a:defRPr sz="1800" kern="1200">
         <a:solidFill>
           <a:schemeClr val="tx1"/>
         </a:solidFill>
@@ -36,8 +33,8 @@
         <a:cs typeface="+mn-cs"/>
       </a:defRPr>
     </a:lvl2pPr>
-    <a:lvl3pPr marL="872733" algn="l" defTabSz="872733" rtl="0" eaLnBrk="1" latinLnBrk="0" hangingPunct="1">
-      <a:defRPr sz="1700" kern="1200">
+    <a:lvl3pPr marL="914400" algn="l" defTabSz="914400" rtl="0" eaLnBrk="1" latinLnBrk="0" hangingPunct="1">
+      <a:defRPr sz="1800" kern="1200">
         <a:solidFill>
           <a:schemeClr val="tx1"/>
         </a:solidFill>
@@ -46,8 +43,8 @@
         <a:cs typeface="+mn-cs"/>
       </a:defRPr>
     </a:lvl3pPr>
-    <a:lvl4pPr marL="1309099" algn="l" defTabSz="872733" rtl="0" eaLnBrk="1" latinLnBrk="0" hangingPunct="1">
-      <a:defRPr sz="1700" kern="1200">
+    <a:lvl4pPr marL="1371600" algn="l" defTabSz="914400" rtl="0" eaLnBrk="1" latinLnBrk="0" hangingPunct="1">
+      <a:defRPr sz="1800" kern="1200">
         <a:solidFill>
           <a:schemeClr val="tx1"/>
         </a:solidFill>
@@ -56,8 +53,8 @@
         <a:cs typeface="+mn-cs"/>
       </a:defRPr>
     </a:lvl4pPr>
-    <a:lvl5pPr marL="1745465" algn="l" defTabSz="872733" rtl="0" eaLnBrk="1" latinLnBrk="0" hangingPunct="1">
-      <a:defRPr sz="1700" kern="1200">
+    <a:lvl5pPr marL="1828800" algn="l" defTabSz="914400" rtl="0" eaLnBrk="1" latinLnBrk="0" hangingPunct="1">
+      <a:defRPr sz="1800" kern="1200">
         <a:solidFill>
           <a:schemeClr val="tx1"/>
         </a:solidFill>
@@ -66,8 +63,8 @@
         <a:cs typeface="+mn-cs"/>
       </a:defRPr>
     </a:lvl5pPr>
-    <a:lvl6pPr marL="2181832" algn="l" defTabSz="872733" rtl="0" eaLnBrk="1" latinLnBrk="0" hangingPunct="1">
-      <a:defRPr sz="1700" kern="1200">
+    <a:lvl6pPr marL="2286000" algn="l" defTabSz="914400" rtl="0" eaLnBrk="1" latinLnBrk="0" hangingPunct="1">
+      <a:defRPr sz="1800" kern="1200">
         <a:solidFill>
           <a:schemeClr val="tx1"/>
         </a:solidFill>
@@ -76,8 +73,8 @@
         <a:cs typeface="+mn-cs"/>
       </a:defRPr>
     </a:lvl6pPr>
-    <a:lvl7pPr marL="2618199" algn="l" defTabSz="872733" rtl="0" eaLnBrk="1" latinLnBrk="0" hangingPunct="1">
-      <a:defRPr sz="1700" kern="1200">
+    <a:lvl7pPr marL="2743200" algn="l" defTabSz="914400" rtl="0" eaLnBrk="1" latinLnBrk="0" hangingPunct="1">
+      <a:defRPr sz="1800" kern="1200">
         <a:solidFill>
           <a:schemeClr val="tx1"/>
         </a:solidFill>
@@ -86,8 +83,8 @@
         <a:cs typeface="+mn-cs"/>
       </a:defRPr>
     </a:lvl7pPr>
-    <a:lvl8pPr marL="3054566" algn="l" defTabSz="872733" rtl="0" eaLnBrk="1" latinLnBrk="0" hangingPunct="1">
-      <a:defRPr sz="1700" kern="1200">
+    <a:lvl8pPr marL="3200400" algn="l" defTabSz="914400" rtl="0" eaLnBrk="1" latinLnBrk="0" hangingPunct="1">
+      <a:defRPr sz="1800" kern="1200">
         <a:solidFill>
           <a:schemeClr val="tx1"/>
         </a:solidFill>
@@ -96,8 +93,8 @@
         <a:cs typeface="+mn-cs"/>
       </a:defRPr>
     </a:lvl8pPr>
-    <a:lvl9pPr marL="3490932" algn="l" defTabSz="872733" rtl="0" eaLnBrk="1" latinLnBrk="0" hangingPunct="1">
-      <a:defRPr sz="1700" kern="1200">
+    <a:lvl9pPr marL="3657600" algn="l" defTabSz="914400" rtl="0" eaLnBrk="1" latinLnBrk="0" hangingPunct="1">
+      <a:defRPr sz="1800" kern="1200">
         <a:solidFill>
           <a:schemeClr val="tx1"/>
         </a:solidFill>
@@ -108,447 +105,6 @@
     </a:lvl9pPr>
   </p:defaultTextStyle>
 </p:presentation>
-</file>
-
-<file path=ppt/notesMasters/notesMaster1.xml><?xml version="1.0" encoding="utf-8"?>
-<p:notesMaster xmlns:a="http://schemas.openxmlformats.org/drawingml/2006/main" xmlns:r="http://schemas.openxmlformats.org/officeDocument/2006/relationships" xmlns:p="http://schemas.openxmlformats.org/presentationml/2006/main">
-  <p:cSld>
-    <p:bg>
-      <p:bgRef idx="1001">
-        <a:schemeClr val="bg1"/>
-      </p:bgRef>
-    </p:bg>
-    <p:spTree>
-      <p:nvGrpSpPr>
-        <p:cNvPr id="1" name=""/>
-        <p:cNvGrpSpPr/>
-        <p:nvPr/>
-      </p:nvGrpSpPr>
-      <p:grpSpPr>
-        <a:xfrm>
-          <a:off x="0" y="0"/>
-          <a:ext cx="0" cy="0"/>
-          <a:chOff x="0" y="0"/>
-          <a:chExt cx="0" cy="0"/>
-        </a:xfrm>
-      </p:grpSpPr>
-      <p:sp>
-        <p:nvSpPr>
-          <p:cNvPr id="2" name="Header Placeholder 1"/>
-          <p:cNvSpPr>
-            <a:spLocks noGrp="1"/>
-          </p:cNvSpPr>
-          <p:nvPr>
-            <p:ph type="hdr" sz="quarter"/>
-          </p:nvPr>
-        </p:nvSpPr>
-        <p:spPr>
-          <a:xfrm>
-            <a:off x="0" y="0"/>
-            <a:ext cx="3170238" cy="479425"/>
-          </a:xfrm>
-          <a:prstGeom prst="rect">
-            <a:avLst/>
-          </a:prstGeom>
-        </p:spPr>
-        <p:txBody>
-          <a:bodyPr vert="horz" lIns="91440" tIns="45720" rIns="91440" bIns="45720" rtlCol="0"/>
-          <a:lstStyle>
-            <a:lvl1pPr algn="l">
-              <a:defRPr sz="1200"/>
-            </a:lvl1pPr>
-          </a:lstStyle>
-          <a:p>
-            <a:endParaRPr lang="en-SG"/>
-          </a:p>
-        </p:txBody>
-      </p:sp>
-      <p:sp>
-        <p:nvSpPr>
-          <p:cNvPr id="3" name="Date Placeholder 2"/>
-          <p:cNvSpPr>
-            <a:spLocks noGrp="1"/>
-          </p:cNvSpPr>
-          <p:nvPr>
-            <p:ph type="dt" idx="1"/>
-          </p:nvPr>
-        </p:nvSpPr>
-        <p:spPr>
-          <a:xfrm>
-            <a:off x="4143375" y="0"/>
-            <a:ext cx="3170238" cy="479425"/>
-          </a:xfrm>
-          <a:prstGeom prst="rect">
-            <a:avLst/>
-          </a:prstGeom>
-        </p:spPr>
-        <p:txBody>
-          <a:bodyPr vert="horz" lIns="91440" tIns="45720" rIns="91440" bIns="45720" rtlCol="0"/>
-          <a:lstStyle>
-            <a:lvl1pPr algn="r">
-              <a:defRPr sz="1200"/>
-            </a:lvl1pPr>
-          </a:lstStyle>
-          <a:p>
-            <a:fld id="{A8A3E59C-3C32-499E-A591-C4E10222CD9C}" type="datetimeFigureOut">
-              <a:rPr lang="en-SG" smtClean="0"/>
-              <a:pPr/>
-              <a:t>22/5/2017</a:t>
-            </a:fld>
-            <a:endParaRPr lang="en-SG"/>
-          </a:p>
-        </p:txBody>
-      </p:sp>
-      <p:sp>
-        <p:nvSpPr>
-          <p:cNvPr id="4" name="Slide Image Placeholder 3"/>
-          <p:cNvSpPr>
-            <a:spLocks noGrp="1" noRot="1" noChangeAspect="1"/>
-          </p:cNvSpPr>
-          <p:nvPr>
-            <p:ph type="sldImg" idx="2"/>
-          </p:nvPr>
-        </p:nvSpPr>
-        <p:spPr>
-          <a:xfrm>
-            <a:off x="1257300" y="720725"/>
-            <a:ext cx="4800600" cy="3600450"/>
-          </a:xfrm>
-          <a:prstGeom prst="rect">
-            <a:avLst/>
-          </a:prstGeom>
-          <a:noFill/>
-          <a:ln w="12700">
-            <a:solidFill>
-              <a:prstClr val="black"/>
-            </a:solidFill>
-          </a:ln>
-        </p:spPr>
-        <p:txBody>
-          <a:bodyPr vert="horz" lIns="91440" tIns="45720" rIns="91440" bIns="45720" rtlCol="0" anchor="ctr"/>
-          <a:lstStyle/>
-          <a:p>
-            <a:endParaRPr lang="en-SG"/>
-          </a:p>
-        </p:txBody>
-      </p:sp>
-      <p:sp>
-        <p:nvSpPr>
-          <p:cNvPr id="5" name="Notes Placeholder 4"/>
-          <p:cNvSpPr>
-            <a:spLocks noGrp="1"/>
-          </p:cNvSpPr>
-          <p:nvPr>
-            <p:ph type="body" sz="quarter" idx="3"/>
-          </p:nvPr>
-        </p:nvSpPr>
-        <p:spPr>
-          <a:xfrm>
-            <a:off x="731838" y="4560888"/>
-            <a:ext cx="5851525" cy="4319587"/>
-          </a:xfrm>
-          <a:prstGeom prst="rect">
-            <a:avLst/>
-          </a:prstGeom>
-        </p:spPr>
-        <p:txBody>
-          <a:bodyPr vert="horz" lIns="91440" tIns="45720" rIns="91440" bIns="45720" rtlCol="0">
-            <a:normAutofit/>
-          </a:bodyPr>
-          <a:lstStyle/>
-          <a:p>
-            <a:pPr lvl="0"/>
-            <a:r>
-              <a:rPr lang="en-US" smtClean="0"/>
-              <a:t>Click to edit Master text styles</a:t>
-            </a:r>
-          </a:p>
-          <a:p>
-            <a:pPr lvl="1"/>
-            <a:r>
-              <a:rPr lang="en-US" smtClean="0"/>
-              <a:t>Second level</a:t>
-            </a:r>
-          </a:p>
-          <a:p>
-            <a:pPr lvl="2"/>
-            <a:r>
-              <a:rPr lang="en-US" smtClean="0"/>
-              <a:t>Third level</a:t>
-            </a:r>
-          </a:p>
-          <a:p>
-            <a:pPr lvl="3"/>
-            <a:r>
-              <a:rPr lang="en-US" smtClean="0"/>
-              <a:t>Fourth level</a:t>
-            </a:r>
-          </a:p>
-          <a:p>
-            <a:pPr lvl="4"/>
-            <a:r>
-              <a:rPr lang="en-US" smtClean="0"/>
-              <a:t>Fifth level</a:t>
-            </a:r>
-            <a:endParaRPr lang="en-SG"/>
-          </a:p>
-        </p:txBody>
-      </p:sp>
-      <p:sp>
-        <p:nvSpPr>
-          <p:cNvPr id="6" name="Footer Placeholder 5"/>
-          <p:cNvSpPr>
-            <a:spLocks noGrp="1"/>
-          </p:cNvSpPr>
-          <p:nvPr>
-            <p:ph type="ftr" sz="quarter" idx="4"/>
-          </p:nvPr>
-        </p:nvSpPr>
-        <p:spPr>
-          <a:xfrm>
-            <a:off x="0" y="9120188"/>
-            <a:ext cx="3170238" cy="479425"/>
-          </a:xfrm>
-          <a:prstGeom prst="rect">
-            <a:avLst/>
-          </a:prstGeom>
-        </p:spPr>
-        <p:txBody>
-          <a:bodyPr vert="horz" lIns="91440" tIns="45720" rIns="91440" bIns="45720" rtlCol="0" anchor="b"/>
-          <a:lstStyle>
-            <a:lvl1pPr algn="l">
-              <a:defRPr sz="1200"/>
-            </a:lvl1pPr>
-          </a:lstStyle>
-          <a:p>
-            <a:endParaRPr lang="en-SG"/>
-          </a:p>
-        </p:txBody>
-      </p:sp>
-      <p:sp>
-        <p:nvSpPr>
-          <p:cNvPr id="7" name="Slide Number Placeholder 6"/>
-          <p:cNvSpPr>
-            <a:spLocks noGrp="1"/>
-          </p:cNvSpPr>
-          <p:nvPr>
-            <p:ph type="sldNum" sz="quarter" idx="5"/>
-          </p:nvPr>
-        </p:nvSpPr>
-        <p:spPr>
-          <a:xfrm>
-            <a:off x="4143375" y="9120188"/>
-            <a:ext cx="3170238" cy="479425"/>
-          </a:xfrm>
-          <a:prstGeom prst="rect">
-            <a:avLst/>
-          </a:prstGeom>
-        </p:spPr>
-        <p:txBody>
-          <a:bodyPr vert="horz" lIns="91440" tIns="45720" rIns="91440" bIns="45720" rtlCol="0" anchor="b"/>
-          <a:lstStyle>
-            <a:lvl1pPr algn="r">
-              <a:defRPr sz="1200"/>
-            </a:lvl1pPr>
-          </a:lstStyle>
-          <a:p>
-            <a:fld id="{130EEF49-4535-4663-BACC-9FA3328E9795}" type="slidenum">
-              <a:rPr lang="en-SG" smtClean="0"/>
-              <a:pPr/>
-              <a:t>‹#›</a:t>
-            </a:fld>
-            <a:endParaRPr lang="en-SG"/>
-          </a:p>
-        </p:txBody>
-      </p:sp>
-    </p:spTree>
-    <p:extLst>
-      <p:ext uri="{BB962C8B-B14F-4D97-AF65-F5344CB8AC3E}">
-        <p14:creationId xmlns:p14="http://schemas.microsoft.com/office/powerpoint/2010/main" val="608951035"/>
-      </p:ext>
-    </p:extLst>
-  </p:cSld>
-  <p:clrMap bg1="lt1" tx1="dk1" bg2="lt2" tx2="dk2" accent1="accent1" accent2="accent2" accent3="accent3" accent4="accent4" accent5="accent5" accent6="accent6" hlink="hlink" folHlink="folHlink"/>
-  <p:notesStyle>
-    <a:lvl1pPr marL="0" algn="l" defTabSz="872733" rtl="0" eaLnBrk="1" latinLnBrk="0" hangingPunct="1">
-      <a:defRPr sz="1100" kern="1200">
-        <a:solidFill>
-          <a:schemeClr val="tx1"/>
-        </a:solidFill>
-        <a:latin typeface="+mn-lt"/>
-        <a:ea typeface="+mn-ea"/>
-        <a:cs typeface="+mn-cs"/>
-      </a:defRPr>
-    </a:lvl1pPr>
-    <a:lvl2pPr marL="436366" algn="l" defTabSz="872733" rtl="0" eaLnBrk="1" latinLnBrk="0" hangingPunct="1">
-      <a:defRPr sz="1100" kern="1200">
-        <a:solidFill>
-          <a:schemeClr val="tx1"/>
-        </a:solidFill>
-        <a:latin typeface="+mn-lt"/>
-        <a:ea typeface="+mn-ea"/>
-        <a:cs typeface="+mn-cs"/>
-      </a:defRPr>
-    </a:lvl2pPr>
-    <a:lvl3pPr marL="872733" algn="l" defTabSz="872733" rtl="0" eaLnBrk="1" latinLnBrk="0" hangingPunct="1">
-      <a:defRPr sz="1100" kern="1200">
-        <a:solidFill>
-          <a:schemeClr val="tx1"/>
-        </a:solidFill>
-        <a:latin typeface="+mn-lt"/>
-        <a:ea typeface="+mn-ea"/>
-        <a:cs typeface="+mn-cs"/>
-      </a:defRPr>
-    </a:lvl3pPr>
-    <a:lvl4pPr marL="1309099" algn="l" defTabSz="872733" rtl="0" eaLnBrk="1" latinLnBrk="0" hangingPunct="1">
-      <a:defRPr sz="1100" kern="1200">
-        <a:solidFill>
-          <a:schemeClr val="tx1"/>
-        </a:solidFill>
-        <a:latin typeface="+mn-lt"/>
-        <a:ea typeface="+mn-ea"/>
-        <a:cs typeface="+mn-cs"/>
-      </a:defRPr>
-    </a:lvl4pPr>
-    <a:lvl5pPr marL="1745465" algn="l" defTabSz="872733" rtl="0" eaLnBrk="1" latinLnBrk="0" hangingPunct="1">
-      <a:defRPr sz="1100" kern="1200">
-        <a:solidFill>
-          <a:schemeClr val="tx1"/>
-        </a:solidFill>
-        <a:latin typeface="+mn-lt"/>
-        <a:ea typeface="+mn-ea"/>
-        <a:cs typeface="+mn-cs"/>
-      </a:defRPr>
-    </a:lvl5pPr>
-    <a:lvl6pPr marL="2181832" algn="l" defTabSz="872733" rtl="0" eaLnBrk="1" latinLnBrk="0" hangingPunct="1">
-      <a:defRPr sz="1100" kern="1200">
-        <a:solidFill>
-          <a:schemeClr val="tx1"/>
-        </a:solidFill>
-        <a:latin typeface="+mn-lt"/>
-        <a:ea typeface="+mn-ea"/>
-        <a:cs typeface="+mn-cs"/>
-      </a:defRPr>
-    </a:lvl6pPr>
-    <a:lvl7pPr marL="2618199" algn="l" defTabSz="872733" rtl="0" eaLnBrk="1" latinLnBrk="0" hangingPunct="1">
-      <a:defRPr sz="1100" kern="1200">
-        <a:solidFill>
-          <a:schemeClr val="tx1"/>
-        </a:solidFill>
-        <a:latin typeface="+mn-lt"/>
-        <a:ea typeface="+mn-ea"/>
-        <a:cs typeface="+mn-cs"/>
-      </a:defRPr>
-    </a:lvl7pPr>
-    <a:lvl8pPr marL="3054566" algn="l" defTabSz="872733" rtl="0" eaLnBrk="1" latinLnBrk="0" hangingPunct="1">
-      <a:defRPr sz="1100" kern="1200">
-        <a:solidFill>
-          <a:schemeClr val="tx1"/>
-        </a:solidFill>
-        <a:latin typeface="+mn-lt"/>
-        <a:ea typeface="+mn-ea"/>
-        <a:cs typeface="+mn-cs"/>
-      </a:defRPr>
-    </a:lvl8pPr>
-    <a:lvl9pPr marL="3490932" algn="l" defTabSz="872733" rtl="0" eaLnBrk="1" latinLnBrk="0" hangingPunct="1">
-      <a:defRPr sz="1100" kern="1200">
-        <a:solidFill>
-          <a:schemeClr val="tx1"/>
-        </a:solidFill>
-        <a:latin typeface="+mn-lt"/>
-        <a:ea typeface="+mn-ea"/>
-        <a:cs typeface="+mn-cs"/>
-      </a:defRPr>
-    </a:lvl9pPr>
-  </p:notesStyle>
-</p:notesMaster>
-</file>
-
-<file path=ppt/notesSlides/notesSlide1.xml><?xml version="1.0" encoding="utf-8"?>
-<p:notes xmlns:a="http://schemas.openxmlformats.org/drawingml/2006/main" xmlns:r="http://schemas.openxmlformats.org/officeDocument/2006/relationships" xmlns:p="http://schemas.openxmlformats.org/presentationml/2006/main">
-  <p:cSld>
-    <p:spTree>
-      <p:nvGrpSpPr>
-        <p:cNvPr id="1" name=""/>
-        <p:cNvGrpSpPr/>
-        <p:nvPr/>
-      </p:nvGrpSpPr>
-      <p:grpSpPr>
-        <a:xfrm>
-          <a:off x="0" y="0"/>
-          <a:ext cx="0" cy="0"/>
-          <a:chOff x="0" y="0"/>
-          <a:chExt cx="0" cy="0"/>
-        </a:xfrm>
-      </p:grpSpPr>
-      <p:sp>
-        <p:nvSpPr>
-          <p:cNvPr id="2" name="Slide Image Placeholder 1"/>
-          <p:cNvSpPr>
-            <a:spLocks noGrp="1" noRot="1" noChangeAspect="1"/>
-          </p:cNvSpPr>
-          <p:nvPr>
-            <p:ph type="sldImg"/>
-          </p:nvPr>
-        </p:nvSpPr>
-        <p:spPr/>
-      </p:sp>
-      <p:sp>
-        <p:nvSpPr>
-          <p:cNvPr id="3" name="Notes Placeholder 2"/>
-          <p:cNvSpPr>
-            <a:spLocks noGrp="1"/>
-          </p:cNvSpPr>
-          <p:nvPr>
-            <p:ph type="body" idx="1"/>
-          </p:nvPr>
-        </p:nvSpPr>
-        <p:spPr/>
-        <p:txBody>
-          <a:bodyPr>
-            <a:normAutofit/>
-          </a:bodyPr>
-          <a:lstStyle/>
-          <a:p>
-            <a:endParaRPr lang="en-US"/>
-          </a:p>
-        </p:txBody>
-      </p:sp>
-      <p:sp>
-        <p:nvSpPr>
-          <p:cNvPr id="4" name="Slide Number Placeholder 3"/>
-          <p:cNvSpPr>
-            <a:spLocks noGrp="1"/>
-          </p:cNvSpPr>
-          <p:nvPr>
-            <p:ph type="sldNum" sz="quarter" idx="10"/>
-          </p:nvPr>
-        </p:nvSpPr>
-        <p:spPr/>
-        <p:txBody>
-          <a:bodyPr/>
-          <a:lstStyle/>
-          <a:p>
-            <a:pPr>
-              <a:defRPr/>
-            </a:pPr>
-            <a:fld id="{46542BAB-0D38-4D52-BD5E-5D805000703B}" type="slidenum">
-              <a:rPr lang="en-US" smtClean="0"/>
-              <a:pPr>
-                <a:defRPr/>
-              </a:pPr>
-              <a:t>425</a:t>
-            </a:fld>
-            <a:endParaRPr lang="en-US"/>
-          </a:p>
-        </p:txBody>
-      </p:sp>
-    </p:spTree>
-  </p:cSld>
-  <p:clrMapOvr>
-    <a:masterClrMapping/>
-  </p:clrMapOvr>
-</p:notes>
 </file>
 
 <file path=ppt/slideLayouts/slideLayout1.xml><?xml version="1.0" encoding="utf-8"?>
@@ -580,7 +136,7 @@
         </p:nvSpPr>
         <p:spPr>
           <a:xfrm>
-            <a:off x="685800" y="2130428"/>
+            <a:off x="685800" y="2130425"/>
             <a:ext cx="7772400" cy="1470025"/>
           </a:xfrm>
         </p:spPr>
@@ -592,7 +148,7 @@
               <a:rPr lang="en-US" smtClean="0"/>
               <a:t>Click to edit Master title style</a:t>
             </a:r>
-            <a:endParaRPr lang="en-US"/>
+            <a:endParaRPr lang="en-SG"/>
           </a:p>
         </p:txBody>
       </p:sp>
@@ -619,11 +175,13 @@
               <a:buNone/>
               <a:defRPr>
                 <a:solidFill>
-                  <a:srgbClr val="0070C0"/>
+                  <a:schemeClr val="tx1">
+                    <a:tint val="75000"/>
+                  </a:schemeClr>
                 </a:solidFill>
               </a:defRPr>
             </a:lvl1pPr>
-            <a:lvl2pPr marL="436366" indent="0" algn="ctr">
+            <a:lvl2pPr marL="457200" indent="0" algn="ctr">
               <a:buNone/>
               <a:defRPr>
                 <a:solidFill>
@@ -633,7 +191,7 @@
                 </a:solidFill>
               </a:defRPr>
             </a:lvl2pPr>
-            <a:lvl3pPr marL="872733" indent="0" algn="ctr">
+            <a:lvl3pPr marL="914400" indent="0" algn="ctr">
               <a:buNone/>
               <a:defRPr>
                 <a:solidFill>
@@ -643,7 +201,7 @@
                 </a:solidFill>
               </a:defRPr>
             </a:lvl3pPr>
-            <a:lvl4pPr marL="1309099" indent="0" algn="ctr">
+            <a:lvl4pPr marL="1371600" indent="0" algn="ctr">
               <a:buNone/>
               <a:defRPr>
                 <a:solidFill>
@@ -653,7 +211,7 @@
                 </a:solidFill>
               </a:defRPr>
             </a:lvl4pPr>
-            <a:lvl5pPr marL="1745465" indent="0" algn="ctr">
+            <a:lvl5pPr marL="1828800" indent="0" algn="ctr">
               <a:buNone/>
               <a:defRPr>
                 <a:solidFill>
@@ -663,7 +221,7 @@
                 </a:solidFill>
               </a:defRPr>
             </a:lvl5pPr>
-            <a:lvl6pPr marL="2181832" indent="0" algn="ctr">
+            <a:lvl6pPr marL="2286000" indent="0" algn="ctr">
               <a:buNone/>
               <a:defRPr>
                 <a:solidFill>
@@ -673,7 +231,7 @@
                 </a:solidFill>
               </a:defRPr>
             </a:lvl6pPr>
-            <a:lvl7pPr marL="2618199" indent="0" algn="ctr">
+            <a:lvl7pPr marL="2743200" indent="0" algn="ctr">
               <a:buNone/>
               <a:defRPr>
                 <a:solidFill>
@@ -683,7 +241,7 @@
                 </a:solidFill>
               </a:defRPr>
             </a:lvl7pPr>
-            <a:lvl8pPr marL="3054566" indent="0" algn="ctr">
+            <a:lvl8pPr marL="3200400" indent="0" algn="ctr">
               <a:buNone/>
               <a:defRPr>
                 <a:solidFill>
@@ -693,7 +251,7 @@
                 </a:solidFill>
               </a:defRPr>
             </a:lvl8pPr>
-            <a:lvl9pPr marL="3490932" indent="0" algn="ctr">
+            <a:lvl9pPr marL="3657600" indent="0" algn="ctr">
               <a:buNone/>
               <a:defRPr>
                 <a:solidFill>
@@ -709,7 +267,7 @@
               <a:rPr lang="en-US" smtClean="0"/>
               <a:t>Click to edit Master subtitle style</a:t>
             </a:r>
-            <a:endParaRPr lang="en-US"/>
+            <a:endParaRPr lang="en-SG"/>
           </a:p>
         </p:txBody>
       </p:sp>
@@ -728,7 +286,11 @@
           <a:bodyPr/>
           <a:lstStyle/>
           <a:p>
-            <a:endParaRPr lang="en-US"/>
+            <a:fld id="{A0F86979-30DA-49EE-A740-32EBA6D2B7DE}" type="datetimeFigureOut">
+              <a:rPr lang="en-SG" smtClean="0"/>
+              <a:t>2/6/2017</a:t>
+            </a:fld>
+            <a:endParaRPr lang="en-SG"/>
           </a:p>
         </p:txBody>
       </p:sp>
@@ -747,7 +309,7 @@
           <a:bodyPr/>
           <a:lstStyle/>
           <a:p>
-            <a:endParaRPr lang="en-US"/>
+            <a:endParaRPr lang="en-SG"/>
           </a:p>
         </p:txBody>
       </p:sp>
@@ -766,27 +328,24 @@
           <a:bodyPr/>
           <a:lstStyle/>
           <a:p>
-            <a:fld id="{5B8905EB-9186-4B9B-BEF9-C6B1CD50847D}" type="slidenum">
-              <a:rPr lang="en-US" smtClean="0"/>
-              <a:pPr/>
+            <a:fld id="{EBF7C7F7-E270-4260-A412-76A75D6182AD}" type="slidenum">
+              <a:rPr lang="en-SG" smtClean="0"/>
               <a:t>‹#›</a:t>
             </a:fld>
-            <a:endParaRPr lang="en-US"/>
+            <a:endParaRPr lang="en-SG"/>
           </a:p>
         </p:txBody>
       </p:sp>
     </p:spTree>
+    <p:extLst>
+      <p:ext uri="{BB962C8B-B14F-4D97-AF65-F5344CB8AC3E}">
+        <p14:creationId xmlns:p14="http://schemas.microsoft.com/office/powerpoint/2010/main" val="135796274"/>
+      </p:ext>
+    </p:extLst>
   </p:cSld>
   <p:clrMapOvr>
     <a:masterClrMapping/>
   </p:clrMapOvr>
-  <p:timing>
-    <p:tnLst>
-      <p:par>
-        <p:cTn id="1" dur="indefinite" restart="never" nodeType="tmRoot"/>
-      </p:par>
-    </p:tnLst>
-  </p:timing>
 </p:sldLayout>
 </file>
 
@@ -826,7 +385,7 @@
               <a:rPr lang="en-US" smtClean="0"/>
               <a:t>Click to edit Master title style</a:t>
             </a:r>
-            <a:endParaRPr lang="en-US"/>
+            <a:endParaRPr lang="en-SG"/>
           </a:p>
         </p:txBody>
       </p:sp>
@@ -878,7 +437,7 @@
               <a:rPr lang="en-US" smtClean="0"/>
               <a:t>Fifth level</a:t>
             </a:r>
-            <a:endParaRPr lang="en-US"/>
+            <a:endParaRPr lang="en-SG"/>
           </a:p>
         </p:txBody>
       </p:sp>
@@ -897,7 +456,11 @@
           <a:bodyPr/>
           <a:lstStyle/>
           <a:p>
-            <a:endParaRPr lang="en-US"/>
+            <a:fld id="{A0F86979-30DA-49EE-A740-32EBA6D2B7DE}" type="datetimeFigureOut">
+              <a:rPr lang="en-SG" smtClean="0"/>
+              <a:t>2/6/2017</a:t>
+            </a:fld>
+            <a:endParaRPr lang="en-SG"/>
           </a:p>
         </p:txBody>
       </p:sp>
@@ -916,7 +479,7 @@
           <a:bodyPr/>
           <a:lstStyle/>
           <a:p>
-            <a:endParaRPr lang="en-US"/>
+            <a:endParaRPr lang="en-SG"/>
           </a:p>
         </p:txBody>
       </p:sp>
@@ -935,16 +498,20 @@
           <a:bodyPr/>
           <a:lstStyle/>
           <a:p>
-            <a:fld id="{5B8905EB-9186-4B9B-BEF9-C6B1CD50847D}" type="slidenum">
-              <a:rPr lang="en-US" smtClean="0"/>
-              <a:pPr/>
+            <a:fld id="{EBF7C7F7-E270-4260-A412-76A75D6182AD}" type="slidenum">
+              <a:rPr lang="en-SG" smtClean="0"/>
               <a:t>‹#›</a:t>
             </a:fld>
-            <a:endParaRPr lang="en-US"/>
+            <a:endParaRPr lang="en-SG"/>
           </a:p>
         </p:txBody>
       </p:sp>
     </p:spTree>
+    <p:extLst>
+      <p:ext uri="{BB962C8B-B14F-4D97-AF65-F5344CB8AC3E}">
+        <p14:creationId xmlns:p14="http://schemas.microsoft.com/office/powerpoint/2010/main" val="3528568514"/>
+      </p:ext>
+    </p:extLst>
   </p:cSld>
   <p:clrMapOvr>
     <a:masterClrMapping/>
@@ -981,7 +548,7 @@
         </p:nvSpPr>
         <p:spPr>
           <a:xfrm>
-            <a:off x="6629400" y="274641"/>
+            <a:off x="6629400" y="274638"/>
             <a:ext cx="2057400" cy="5851525"/>
           </a:xfrm>
         </p:spPr>
@@ -993,7 +560,7 @@
               <a:rPr lang="en-US" smtClean="0"/>
               <a:t>Click to edit Master title style</a:t>
             </a:r>
-            <a:endParaRPr lang="en-US"/>
+            <a:endParaRPr lang="en-SG"/>
           </a:p>
         </p:txBody>
       </p:sp>
@@ -1009,7 +576,7 @@
         </p:nvSpPr>
         <p:spPr>
           <a:xfrm>
-            <a:off x="457200" y="274641"/>
+            <a:off x="457200" y="274638"/>
             <a:ext cx="6019800" cy="5851525"/>
           </a:xfrm>
         </p:spPr>
@@ -1050,7 +617,7 @@
               <a:rPr lang="en-US" smtClean="0"/>
               <a:t>Fifth level</a:t>
             </a:r>
-            <a:endParaRPr lang="en-US"/>
+            <a:endParaRPr lang="en-SG"/>
           </a:p>
         </p:txBody>
       </p:sp>
@@ -1069,7 +636,11 @@
           <a:bodyPr/>
           <a:lstStyle/>
           <a:p>
-            <a:endParaRPr lang="en-US"/>
+            <a:fld id="{A0F86979-30DA-49EE-A740-32EBA6D2B7DE}" type="datetimeFigureOut">
+              <a:rPr lang="en-SG" smtClean="0"/>
+              <a:t>2/6/2017</a:t>
+            </a:fld>
+            <a:endParaRPr lang="en-SG"/>
           </a:p>
         </p:txBody>
       </p:sp>
@@ -1088,7 +659,7 @@
           <a:bodyPr/>
           <a:lstStyle/>
           <a:p>
-            <a:endParaRPr lang="en-US"/>
+            <a:endParaRPr lang="en-SG"/>
           </a:p>
         </p:txBody>
       </p:sp>
@@ -1107,16 +678,20 @@
           <a:bodyPr/>
           <a:lstStyle/>
           <a:p>
-            <a:fld id="{5B8905EB-9186-4B9B-BEF9-C6B1CD50847D}" type="slidenum">
-              <a:rPr lang="en-US" smtClean="0"/>
-              <a:pPr/>
+            <a:fld id="{EBF7C7F7-E270-4260-A412-76A75D6182AD}" type="slidenum">
+              <a:rPr lang="en-SG" smtClean="0"/>
               <a:t>‹#›</a:t>
             </a:fld>
-            <a:endParaRPr lang="en-US"/>
+            <a:endParaRPr lang="en-SG"/>
           </a:p>
         </p:txBody>
       </p:sp>
     </p:spTree>
+    <p:extLst>
+      <p:ext uri="{BB962C8B-B14F-4D97-AF65-F5344CB8AC3E}">
+        <p14:creationId xmlns:p14="http://schemas.microsoft.com/office/powerpoint/2010/main" val="2418564099"/>
+      </p:ext>
+    </p:extLst>
   </p:cSld>
   <p:clrMapOvr>
     <a:masterClrMapping/>
@@ -1143,6 +718,123 @@
       </p:grpSpPr>
       <p:sp>
         <p:nvSpPr>
+          <p:cNvPr id="2" name="Title 1"/>
+          <p:cNvSpPr>
+            <a:spLocks noGrp="1"/>
+          </p:cNvSpPr>
+          <p:nvPr>
+            <p:ph type="title"/>
+          </p:nvPr>
+        </p:nvSpPr>
+        <p:spPr/>
+        <p:txBody>
+          <a:bodyPr/>
+          <a:lstStyle/>
+          <a:p>
+            <a:r>
+              <a:rPr lang="en-US" smtClean="0"/>
+              <a:t>Click to edit Master title style</a:t>
+            </a:r>
+            <a:endParaRPr lang="en-SG"/>
+          </a:p>
+        </p:txBody>
+      </p:sp>
+      <p:sp>
+        <p:nvSpPr>
+          <p:cNvPr id="3" name="Content Placeholder 2"/>
+          <p:cNvSpPr>
+            <a:spLocks noGrp="1"/>
+          </p:cNvSpPr>
+          <p:nvPr>
+            <p:ph idx="1"/>
+          </p:nvPr>
+        </p:nvSpPr>
+        <p:spPr/>
+        <p:txBody>
+          <a:bodyPr/>
+          <a:lstStyle/>
+          <a:p>
+            <a:pPr lvl="0"/>
+            <a:r>
+              <a:rPr lang="en-US" smtClean="0"/>
+              <a:t>Click to edit Master text styles</a:t>
+            </a:r>
+          </a:p>
+          <a:p>
+            <a:pPr lvl="1"/>
+            <a:r>
+              <a:rPr lang="en-US" smtClean="0"/>
+              <a:t>Second level</a:t>
+            </a:r>
+          </a:p>
+          <a:p>
+            <a:pPr lvl="2"/>
+            <a:r>
+              <a:rPr lang="en-US" smtClean="0"/>
+              <a:t>Third level</a:t>
+            </a:r>
+          </a:p>
+          <a:p>
+            <a:pPr lvl="3"/>
+            <a:r>
+              <a:rPr lang="en-US" smtClean="0"/>
+              <a:t>Fourth level</a:t>
+            </a:r>
+          </a:p>
+          <a:p>
+            <a:pPr lvl="4"/>
+            <a:r>
+              <a:rPr lang="en-US" smtClean="0"/>
+              <a:t>Fifth level</a:t>
+            </a:r>
+            <a:endParaRPr lang="en-SG"/>
+          </a:p>
+        </p:txBody>
+      </p:sp>
+      <p:sp>
+        <p:nvSpPr>
+          <p:cNvPr id="4" name="Date Placeholder 3"/>
+          <p:cNvSpPr>
+            <a:spLocks noGrp="1"/>
+          </p:cNvSpPr>
+          <p:nvPr>
+            <p:ph type="dt" sz="half" idx="10"/>
+          </p:nvPr>
+        </p:nvSpPr>
+        <p:spPr/>
+        <p:txBody>
+          <a:bodyPr/>
+          <a:lstStyle/>
+          <a:p>
+            <a:fld id="{A0F86979-30DA-49EE-A740-32EBA6D2B7DE}" type="datetimeFigureOut">
+              <a:rPr lang="en-SG" smtClean="0"/>
+              <a:t>2/6/2017</a:t>
+            </a:fld>
+            <a:endParaRPr lang="en-SG"/>
+          </a:p>
+        </p:txBody>
+      </p:sp>
+      <p:sp>
+        <p:nvSpPr>
+          <p:cNvPr id="5" name="Footer Placeholder 4"/>
+          <p:cNvSpPr>
+            <a:spLocks noGrp="1"/>
+          </p:cNvSpPr>
+          <p:nvPr>
+            <p:ph type="ftr" sz="quarter" idx="11"/>
+          </p:nvPr>
+        </p:nvSpPr>
+        <p:spPr/>
+        <p:txBody>
+          <a:bodyPr/>
+          <a:lstStyle/>
+          <a:p>
+            <a:endParaRPr lang="en-SG"/>
+          </a:p>
+        </p:txBody>
+      </p:sp>
+      <p:sp>
+        <p:nvSpPr>
           <p:cNvPr id="6" name="Slide Number Placeholder 5"/>
           <p:cNvSpPr>
             <a:spLocks noGrp="1"/>
@@ -1151,176 +843,29 @@
             <p:ph type="sldNum" sz="quarter" idx="12"/>
           </p:nvPr>
         </p:nvSpPr>
-        <p:spPr>
-          <a:xfrm>
-            <a:off x="7839456" y="6492875"/>
-            <a:ext cx="1228344" cy="365125"/>
-          </a:xfrm>
-        </p:spPr>
-        <p:txBody>
-          <a:bodyPr/>
-          <a:lstStyle>
-            <a:lvl1pPr>
-              <a:defRPr sz="2000" b="1">
-                <a:solidFill>
-                  <a:schemeClr val="accent6"/>
-                </a:solidFill>
-              </a:defRPr>
-            </a:lvl1pPr>
-          </a:lstStyle>
-          <a:p>
-            <a:fld id="{5B8905EB-9186-4B9B-BEF9-C6B1CD50847D}" type="slidenum">
-              <a:rPr lang="en-US" smtClean="0"/>
-              <a:pPr/>
+        <p:spPr/>
+        <p:txBody>
+          <a:bodyPr/>
+          <a:lstStyle/>
+          <a:p>
+            <a:fld id="{EBF7C7F7-E270-4260-A412-76A75D6182AD}" type="slidenum">
+              <a:rPr lang="en-SG" smtClean="0"/>
               <a:t>‹#›</a:t>
             </a:fld>
-            <a:endParaRPr lang="en-US"/>
-          </a:p>
-        </p:txBody>
-      </p:sp>
-      <p:sp>
-        <p:nvSpPr>
-          <p:cNvPr id="2" name="Title 1"/>
-          <p:cNvSpPr>
-            <a:spLocks noGrp="1"/>
-          </p:cNvSpPr>
-          <p:nvPr>
-            <p:ph type="title"/>
-          </p:nvPr>
-        </p:nvSpPr>
-        <p:spPr>
-          <a:xfrm>
-            <a:off x="457200" y="274638"/>
-            <a:ext cx="8229600" cy="792162"/>
-          </a:xfrm>
-        </p:spPr>
-        <p:txBody>
-          <a:bodyPr>
-            <a:normAutofit/>
-          </a:bodyPr>
-          <a:lstStyle>
-            <a:lvl1pPr algn="l">
-              <a:defRPr sz="3600">
-                <a:solidFill>
-                  <a:schemeClr val="accent6">
-                    <a:lumMod val="75000"/>
-                  </a:schemeClr>
-                </a:solidFill>
-              </a:defRPr>
-            </a:lvl1pPr>
-          </a:lstStyle>
-          <a:p>
-            <a:r>
-              <a:rPr lang="en-US" dirty="0" smtClean="0"/>
-              <a:t>Click to edit Master title style</a:t>
-            </a:r>
-            <a:endParaRPr lang="en-US" dirty="0"/>
-          </a:p>
-        </p:txBody>
-      </p:sp>
-      <p:sp>
-        <p:nvSpPr>
-          <p:cNvPr id="3" name="Content Placeholder 2"/>
-          <p:cNvSpPr>
-            <a:spLocks noGrp="1"/>
-          </p:cNvSpPr>
-          <p:nvPr>
-            <p:ph idx="1"/>
-          </p:nvPr>
-        </p:nvSpPr>
-        <p:spPr>
-          <a:xfrm>
-            <a:off x="457200" y="1219200"/>
-            <a:ext cx="8229600" cy="1805520"/>
-          </a:xfrm>
-        </p:spPr>
-        <p:txBody>
-          <a:bodyPr>
-            <a:spAutoFit/>
-          </a:bodyPr>
-          <a:lstStyle>
-            <a:lvl1pPr>
-              <a:buSzPct val="50000"/>
-              <a:buFont typeface="Wingdings" pitchFamily="2" charset="2"/>
-              <a:buChar char="q"/>
-              <a:defRPr sz="2200">
-                <a:latin typeface="Cambria" pitchFamily="18" charset="0"/>
-              </a:defRPr>
-            </a:lvl1pPr>
-            <a:lvl2pPr>
-              <a:buSzPct val="75000"/>
-              <a:buFont typeface="Courier New" pitchFamily="49" charset="0"/>
-              <a:buChar char="o"/>
-              <a:defRPr sz="2200">
-                <a:latin typeface="Cambria" pitchFamily="18" charset="0"/>
-              </a:defRPr>
-            </a:lvl2pPr>
-            <a:lvl3pPr>
-              <a:defRPr sz="1700">
-                <a:latin typeface="Cambria" pitchFamily="18" charset="0"/>
-              </a:defRPr>
-            </a:lvl3pPr>
-            <a:lvl4pPr>
-              <a:defRPr sz="1600">
-                <a:latin typeface="Cambria" pitchFamily="18" charset="0"/>
-              </a:defRPr>
-            </a:lvl4pPr>
-            <a:lvl5pPr>
-              <a:defRPr sz="1600">
-                <a:latin typeface="Cambria" pitchFamily="18" charset="0"/>
-              </a:defRPr>
-            </a:lvl5pPr>
-          </a:lstStyle>
-          <a:p>
-            <a:pPr lvl="0"/>
-            <a:r>
-              <a:rPr lang="en-US" dirty="0" smtClean="0"/>
-              <a:t>Click to edit Master text styles</a:t>
-            </a:r>
-          </a:p>
-          <a:p>
-            <a:pPr lvl="1"/>
-            <a:r>
-              <a:rPr lang="en-US" dirty="0" smtClean="0"/>
-              <a:t>Second level</a:t>
-            </a:r>
-          </a:p>
-          <a:p>
-            <a:pPr lvl="2"/>
-            <a:r>
-              <a:rPr lang="en-US" dirty="0" smtClean="0"/>
-              <a:t>Third level</a:t>
-            </a:r>
-          </a:p>
-          <a:p>
-            <a:pPr lvl="3"/>
-            <a:r>
-              <a:rPr lang="en-US" dirty="0" smtClean="0"/>
-              <a:t>Fourth level</a:t>
-            </a:r>
-          </a:p>
-          <a:p>
-            <a:pPr lvl="4"/>
-            <a:r>
-              <a:rPr lang="en-US" dirty="0" smtClean="0"/>
-              <a:t>Fifth level</a:t>
-            </a:r>
-            <a:endParaRPr lang="en-US" dirty="0"/>
+            <a:endParaRPr lang="en-SG"/>
           </a:p>
         </p:txBody>
       </p:sp>
     </p:spTree>
+    <p:extLst>
+      <p:ext uri="{BB962C8B-B14F-4D97-AF65-F5344CB8AC3E}">
+        <p14:creationId xmlns:p14="http://schemas.microsoft.com/office/powerpoint/2010/main" val="4201411315"/>
+      </p:ext>
+    </p:extLst>
   </p:cSld>
   <p:clrMapOvr>
     <a:masterClrMapping/>
   </p:clrMapOvr>
-  <p:timing>
-    <p:tnLst>
-      <p:par>
-        <p:cTn id="1" dur="indefinite" restart="never" nodeType="tmRoot"/>
-      </p:par>
-    </p:tnLst>
-  </p:timing>
 </p:sldLayout>
 </file>
 
@@ -1353,7 +898,7 @@
         </p:nvSpPr>
         <p:spPr>
           <a:xfrm>
-            <a:off x="722314" y="4406903"/>
+            <a:off x="722313" y="4406900"/>
             <a:ext cx="7772400" cy="1362075"/>
           </a:xfrm>
         </p:spPr>
@@ -1361,7 +906,7 @@
           <a:bodyPr anchor="t"/>
           <a:lstStyle>
             <a:lvl1pPr algn="l">
-              <a:defRPr sz="3800" b="1" cap="all"/>
+              <a:defRPr sz="4000" b="1" cap="all"/>
             </a:lvl1pPr>
           </a:lstStyle>
           <a:p>
@@ -1369,7 +914,7 @@
               <a:rPr lang="en-US" smtClean="0"/>
               <a:t>Click to edit Master title style</a:t>
             </a:r>
-            <a:endParaRPr lang="en-US"/>
+            <a:endParaRPr lang="en-SG"/>
           </a:p>
         </p:txBody>
       </p:sp>
@@ -1385,7 +930,7 @@
         </p:nvSpPr>
         <p:spPr>
           <a:xfrm>
-            <a:off x="722314" y="2906714"/>
+            <a:off x="722313" y="2906713"/>
             <a:ext cx="7772400" cy="1500187"/>
           </a:xfrm>
         </p:spPr>
@@ -1394,7 +939,7 @@
           <a:lstStyle>
             <a:lvl1pPr marL="0" indent="0">
               <a:buNone/>
-              <a:defRPr sz="1900">
+              <a:defRPr sz="2000">
                 <a:solidFill>
                   <a:schemeClr val="tx1">
                     <a:tint val="75000"/>
@@ -1402,9 +947,9 @@
                 </a:solidFill>
               </a:defRPr>
             </a:lvl1pPr>
-            <a:lvl2pPr marL="436366" indent="0">
-              <a:buNone/>
-              <a:defRPr sz="1700">
+            <a:lvl2pPr marL="457200" indent="0">
+              <a:buNone/>
+              <a:defRPr sz="1800">
                 <a:solidFill>
                   <a:schemeClr val="tx1">
                     <a:tint val="75000"/>
@@ -1412,7 +957,7 @@
                 </a:solidFill>
               </a:defRPr>
             </a:lvl2pPr>
-            <a:lvl3pPr marL="872733" indent="0">
+            <a:lvl3pPr marL="914400" indent="0">
               <a:buNone/>
               <a:defRPr sz="1600">
                 <a:solidFill>
@@ -1422,7 +967,7 @@
                 </a:solidFill>
               </a:defRPr>
             </a:lvl3pPr>
-            <a:lvl4pPr marL="1309099" indent="0">
+            <a:lvl4pPr marL="1371600" indent="0">
               <a:buNone/>
               <a:defRPr sz="1400">
                 <a:solidFill>
@@ -1432,7 +977,7 @@
                 </a:solidFill>
               </a:defRPr>
             </a:lvl4pPr>
-            <a:lvl5pPr marL="1745465" indent="0">
+            <a:lvl5pPr marL="1828800" indent="0">
               <a:buNone/>
               <a:defRPr sz="1400">
                 <a:solidFill>
@@ -1442,7 +987,7 @@
                 </a:solidFill>
               </a:defRPr>
             </a:lvl5pPr>
-            <a:lvl6pPr marL="2181832" indent="0">
+            <a:lvl6pPr marL="2286000" indent="0">
               <a:buNone/>
               <a:defRPr sz="1400">
                 <a:solidFill>
@@ -1452,7 +997,7 @@
                 </a:solidFill>
               </a:defRPr>
             </a:lvl6pPr>
-            <a:lvl7pPr marL="2618199" indent="0">
+            <a:lvl7pPr marL="2743200" indent="0">
               <a:buNone/>
               <a:defRPr sz="1400">
                 <a:solidFill>
@@ -1462,7 +1007,7 @@
                 </a:solidFill>
               </a:defRPr>
             </a:lvl7pPr>
-            <a:lvl8pPr marL="3054566" indent="0">
+            <a:lvl8pPr marL="3200400" indent="0">
               <a:buNone/>
               <a:defRPr sz="1400">
                 <a:solidFill>
@@ -1472,7 +1017,7 @@
                 </a:solidFill>
               </a:defRPr>
             </a:lvl8pPr>
-            <a:lvl9pPr marL="3490932" indent="0">
+            <a:lvl9pPr marL="3657600" indent="0">
               <a:buNone/>
               <a:defRPr sz="1400">
                 <a:solidFill>
@@ -1507,7 +1052,11 @@
           <a:bodyPr/>
           <a:lstStyle/>
           <a:p>
-            <a:endParaRPr lang="en-US"/>
+            <a:fld id="{A0F86979-30DA-49EE-A740-32EBA6D2B7DE}" type="datetimeFigureOut">
+              <a:rPr lang="en-SG" smtClean="0"/>
+              <a:t>2/6/2017</a:t>
+            </a:fld>
+            <a:endParaRPr lang="en-SG"/>
           </a:p>
         </p:txBody>
       </p:sp>
@@ -1526,7 +1075,7 @@
           <a:bodyPr/>
           <a:lstStyle/>
           <a:p>
-            <a:endParaRPr lang="en-US"/>
+            <a:endParaRPr lang="en-SG"/>
           </a:p>
         </p:txBody>
       </p:sp>
@@ -1545,16 +1094,20 @@
           <a:bodyPr/>
           <a:lstStyle/>
           <a:p>
-            <a:fld id="{5B8905EB-9186-4B9B-BEF9-C6B1CD50847D}" type="slidenum">
-              <a:rPr lang="en-US" smtClean="0"/>
-              <a:pPr/>
+            <a:fld id="{EBF7C7F7-E270-4260-A412-76A75D6182AD}" type="slidenum">
+              <a:rPr lang="en-SG" smtClean="0"/>
               <a:t>‹#›</a:t>
             </a:fld>
-            <a:endParaRPr lang="en-US"/>
+            <a:endParaRPr lang="en-SG"/>
           </a:p>
         </p:txBody>
       </p:sp>
     </p:spTree>
+    <p:extLst>
+      <p:ext uri="{BB962C8B-B14F-4D97-AF65-F5344CB8AC3E}">
+        <p14:creationId xmlns:p14="http://schemas.microsoft.com/office/powerpoint/2010/main" val="3750375640"/>
+      </p:ext>
+    </p:extLst>
   </p:cSld>
   <p:clrMapOvr>
     <a:masterClrMapping/>
@@ -1598,7 +1151,7 @@
               <a:rPr lang="en-US" smtClean="0"/>
               <a:t>Click to edit Master title style</a:t>
             </a:r>
-            <a:endParaRPr lang="en-US"/>
+            <a:endParaRPr lang="en-SG"/>
           </a:p>
         </p:txBody>
       </p:sp>
@@ -1614,7 +1167,7 @@
         </p:nvSpPr>
         <p:spPr>
           <a:xfrm>
-            <a:off x="457200" y="1600203"/>
+            <a:off x="457200" y="1600200"/>
             <a:ext cx="4038600" cy="4525963"/>
           </a:xfrm>
         </p:spPr>
@@ -1622,31 +1175,31 @@
           <a:bodyPr/>
           <a:lstStyle>
             <a:lvl1pPr>
-              <a:defRPr sz="2700"/>
+              <a:defRPr sz="2800"/>
             </a:lvl1pPr>
             <a:lvl2pPr>
-              <a:defRPr sz="2300"/>
+              <a:defRPr sz="2400"/>
             </a:lvl2pPr>
             <a:lvl3pPr>
-              <a:defRPr sz="1900"/>
+              <a:defRPr sz="2000"/>
             </a:lvl3pPr>
             <a:lvl4pPr>
-              <a:defRPr sz="1700"/>
+              <a:defRPr sz="1800"/>
             </a:lvl4pPr>
             <a:lvl5pPr>
-              <a:defRPr sz="1700"/>
+              <a:defRPr sz="1800"/>
             </a:lvl5pPr>
             <a:lvl6pPr>
-              <a:defRPr sz="1700"/>
+              <a:defRPr sz="1800"/>
             </a:lvl6pPr>
             <a:lvl7pPr>
-              <a:defRPr sz="1700"/>
+              <a:defRPr sz="1800"/>
             </a:lvl7pPr>
             <a:lvl8pPr>
-              <a:defRPr sz="1700"/>
+              <a:defRPr sz="1800"/>
             </a:lvl8pPr>
             <a:lvl9pPr>
-              <a:defRPr sz="1700"/>
+              <a:defRPr sz="1800"/>
             </a:lvl9pPr>
           </a:lstStyle>
           <a:p>
@@ -1683,7 +1236,7 @@
               <a:rPr lang="en-US" smtClean="0"/>
               <a:t>Fifth level</a:t>
             </a:r>
-            <a:endParaRPr lang="en-US"/>
+            <a:endParaRPr lang="en-SG"/>
           </a:p>
         </p:txBody>
       </p:sp>
@@ -1699,7 +1252,7 @@
         </p:nvSpPr>
         <p:spPr>
           <a:xfrm>
-            <a:off x="4648200" y="1600203"/>
+            <a:off x="4648200" y="1600200"/>
             <a:ext cx="4038600" cy="4525963"/>
           </a:xfrm>
         </p:spPr>
@@ -1707,31 +1260,31 @@
           <a:bodyPr/>
           <a:lstStyle>
             <a:lvl1pPr>
-              <a:defRPr sz="2700"/>
+              <a:defRPr sz="2800"/>
             </a:lvl1pPr>
             <a:lvl2pPr>
-              <a:defRPr sz="2300"/>
+              <a:defRPr sz="2400"/>
             </a:lvl2pPr>
             <a:lvl3pPr>
-              <a:defRPr sz="1900"/>
+              <a:defRPr sz="2000"/>
             </a:lvl3pPr>
             <a:lvl4pPr>
-              <a:defRPr sz="1700"/>
+              <a:defRPr sz="1800"/>
             </a:lvl4pPr>
             <a:lvl5pPr>
-              <a:defRPr sz="1700"/>
+              <a:defRPr sz="1800"/>
             </a:lvl5pPr>
             <a:lvl6pPr>
-              <a:defRPr sz="1700"/>
+              <a:defRPr sz="1800"/>
             </a:lvl6pPr>
             <a:lvl7pPr>
-              <a:defRPr sz="1700"/>
+              <a:defRPr sz="1800"/>
             </a:lvl7pPr>
             <a:lvl8pPr>
-              <a:defRPr sz="1700"/>
+              <a:defRPr sz="1800"/>
             </a:lvl8pPr>
             <a:lvl9pPr>
-              <a:defRPr sz="1700"/>
+              <a:defRPr sz="1800"/>
             </a:lvl9pPr>
           </a:lstStyle>
           <a:p>
@@ -1768,7 +1321,7 @@
               <a:rPr lang="en-US" smtClean="0"/>
               <a:t>Fifth level</a:t>
             </a:r>
-            <a:endParaRPr lang="en-US"/>
+            <a:endParaRPr lang="en-SG"/>
           </a:p>
         </p:txBody>
       </p:sp>
@@ -1787,7 +1340,11 @@
           <a:bodyPr/>
           <a:lstStyle/>
           <a:p>
-            <a:endParaRPr lang="en-US"/>
+            <a:fld id="{A0F86979-30DA-49EE-A740-32EBA6D2B7DE}" type="datetimeFigureOut">
+              <a:rPr lang="en-SG" smtClean="0"/>
+              <a:t>2/6/2017</a:t>
+            </a:fld>
+            <a:endParaRPr lang="en-SG"/>
           </a:p>
         </p:txBody>
       </p:sp>
@@ -1806,7 +1363,7 @@
           <a:bodyPr/>
           <a:lstStyle/>
           <a:p>
-            <a:endParaRPr lang="en-US"/>
+            <a:endParaRPr lang="en-SG"/>
           </a:p>
         </p:txBody>
       </p:sp>
@@ -1825,16 +1382,20 @@
           <a:bodyPr/>
           <a:lstStyle/>
           <a:p>
-            <a:fld id="{5B8905EB-9186-4B9B-BEF9-C6B1CD50847D}" type="slidenum">
-              <a:rPr lang="en-US" smtClean="0"/>
-              <a:pPr/>
+            <a:fld id="{EBF7C7F7-E270-4260-A412-76A75D6182AD}" type="slidenum">
+              <a:rPr lang="en-SG" smtClean="0"/>
               <a:t>‹#›</a:t>
             </a:fld>
-            <a:endParaRPr lang="en-US"/>
+            <a:endParaRPr lang="en-SG"/>
           </a:p>
         </p:txBody>
       </p:sp>
     </p:spTree>
+    <p:extLst>
+      <p:ext uri="{BB962C8B-B14F-4D97-AF65-F5344CB8AC3E}">
+        <p14:creationId xmlns:p14="http://schemas.microsoft.com/office/powerpoint/2010/main" val="168309803"/>
+      </p:ext>
+    </p:extLst>
   </p:cSld>
   <p:clrMapOvr>
     <a:masterClrMapping/>
@@ -1871,26 +1432,18 @@
         </p:nvSpPr>
         <p:spPr/>
         <p:txBody>
-          <a:bodyPr>
-            <a:normAutofit/>
-          </a:bodyPr>
+          <a:bodyPr/>
           <a:lstStyle>
-            <a:lvl1pPr algn="l">
-              <a:defRPr sz="3800">
-                <a:solidFill>
-                  <a:schemeClr val="accent6">
-                    <a:lumMod val="75000"/>
-                  </a:schemeClr>
-                </a:solidFill>
-              </a:defRPr>
+            <a:lvl1pPr>
+              <a:defRPr/>
             </a:lvl1pPr>
           </a:lstStyle>
           <a:p>
             <a:r>
-              <a:rPr lang="en-US" dirty="0" smtClean="0"/>
+              <a:rPr lang="en-US" smtClean="0"/>
               <a:t>Click to edit Master title style</a:t>
             </a:r>
-            <a:endParaRPr lang="en-US" dirty="0"/>
+            <a:endParaRPr lang="en-SG"/>
           </a:p>
         </p:txBody>
       </p:sp>
@@ -1906,8 +1459,8 @@
         </p:nvSpPr>
         <p:spPr>
           <a:xfrm>
-            <a:off x="457200" y="1535114"/>
-            <a:ext cx="4040187" cy="639762"/>
+            <a:off x="457200" y="1535113"/>
+            <a:ext cx="4040188" cy="639762"/>
           </a:xfrm>
         </p:spPr>
         <p:txBody>
@@ -1915,37 +1468,37 @@
           <a:lstStyle>
             <a:lvl1pPr marL="0" indent="0">
               <a:buNone/>
-              <a:defRPr sz="2300" b="1"/>
+              <a:defRPr sz="2400" b="1"/>
             </a:lvl1pPr>
-            <a:lvl2pPr marL="436366" indent="0">
-              <a:buNone/>
-              <a:defRPr sz="1900" b="1"/>
+            <a:lvl2pPr marL="457200" indent="0">
+              <a:buNone/>
+              <a:defRPr sz="2000" b="1"/>
             </a:lvl2pPr>
-            <a:lvl3pPr marL="872733" indent="0">
-              <a:buNone/>
-              <a:defRPr sz="1700" b="1"/>
+            <a:lvl3pPr marL="914400" indent="0">
+              <a:buNone/>
+              <a:defRPr sz="1800" b="1"/>
             </a:lvl3pPr>
-            <a:lvl4pPr marL="1309099" indent="0">
+            <a:lvl4pPr marL="1371600" indent="0">
               <a:buNone/>
               <a:defRPr sz="1600" b="1"/>
             </a:lvl4pPr>
-            <a:lvl5pPr marL="1745465" indent="0">
+            <a:lvl5pPr marL="1828800" indent="0">
               <a:buNone/>
               <a:defRPr sz="1600" b="1"/>
             </a:lvl5pPr>
-            <a:lvl6pPr marL="2181832" indent="0">
+            <a:lvl6pPr marL="2286000" indent="0">
               <a:buNone/>
               <a:defRPr sz="1600" b="1"/>
             </a:lvl6pPr>
-            <a:lvl7pPr marL="2618199" indent="0">
+            <a:lvl7pPr marL="2743200" indent="0">
               <a:buNone/>
               <a:defRPr sz="1600" b="1"/>
             </a:lvl7pPr>
-            <a:lvl8pPr marL="3054566" indent="0">
+            <a:lvl8pPr marL="3200400" indent="0">
               <a:buNone/>
               <a:defRPr sz="1600" b="1"/>
             </a:lvl8pPr>
-            <a:lvl9pPr marL="3490932" indent="0">
+            <a:lvl9pPr marL="3657600" indent="0">
               <a:buNone/>
               <a:defRPr sz="1600" b="1"/>
             </a:lvl9pPr>
@@ -1971,21 +1524,21 @@
         </p:nvSpPr>
         <p:spPr>
           <a:xfrm>
-            <a:off x="457200" y="2174876"/>
-            <a:ext cx="4040187" cy="3951288"/>
+            <a:off x="457200" y="2174875"/>
+            <a:ext cx="4040188" cy="3951288"/>
           </a:xfrm>
         </p:spPr>
         <p:txBody>
           <a:bodyPr/>
           <a:lstStyle>
             <a:lvl1pPr>
-              <a:defRPr sz="2300"/>
+              <a:defRPr sz="2400"/>
             </a:lvl1pPr>
             <a:lvl2pPr>
-              <a:defRPr sz="1900"/>
+              <a:defRPr sz="2000"/>
             </a:lvl2pPr>
             <a:lvl3pPr>
-              <a:defRPr sz="1700"/>
+              <a:defRPr sz="1800"/>
             </a:lvl3pPr>
             <a:lvl4pPr>
               <a:defRPr sz="1600"/>
@@ -2040,7 +1593,7 @@
               <a:rPr lang="en-US" smtClean="0"/>
               <a:t>Fifth level</a:t>
             </a:r>
-            <a:endParaRPr lang="en-US"/>
+            <a:endParaRPr lang="en-SG"/>
           </a:p>
         </p:txBody>
       </p:sp>
@@ -2056,7 +1609,7 @@
         </p:nvSpPr>
         <p:spPr>
           <a:xfrm>
-            <a:off x="4645026" y="1535114"/>
+            <a:off x="4645025" y="1535113"/>
             <a:ext cx="4041775" cy="639762"/>
           </a:xfrm>
         </p:spPr>
@@ -2065,37 +1618,37 @@
           <a:lstStyle>
             <a:lvl1pPr marL="0" indent="0">
               <a:buNone/>
-              <a:defRPr sz="2300" b="1"/>
+              <a:defRPr sz="2400" b="1"/>
             </a:lvl1pPr>
-            <a:lvl2pPr marL="436366" indent="0">
-              <a:buNone/>
-              <a:defRPr sz="1900" b="1"/>
+            <a:lvl2pPr marL="457200" indent="0">
+              <a:buNone/>
+              <a:defRPr sz="2000" b="1"/>
             </a:lvl2pPr>
-            <a:lvl3pPr marL="872733" indent="0">
-              <a:buNone/>
-              <a:defRPr sz="1700" b="1"/>
+            <a:lvl3pPr marL="914400" indent="0">
+              <a:buNone/>
+              <a:defRPr sz="1800" b="1"/>
             </a:lvl3pPr>
-            <a:lvl4pPr marL="1309099" indent="0">
+            <a:lvl4pPr marL="1371600" indent="0">
               <a:buNone/>
               <a:defRPr sz="1600" b="1"/>
             </a:lvl4pPr>
-            <a:lvl5pPr marL="1745465" indent="0">
+            <a:lvl5pPr marL="1828800" indent="0">
               <a:buNone/>
               <a:defRPr sz="1600" b="1"/>
             </a:lvl5pPr>
-            <a:lvl6pPr marL="2181832" indent="0">
+            <a:lvl6pPr marL="2286000" indent="0">
               <a:buNone/>
               <a:defRPr sz="1600" b="1"/>
             </a:lvl6pPr>
-            <a:lvl7pPr marL="2618199" indent="0">
+            <a:lvl7pPr marL="2743200" indent="0">
               <a:buNone/>
               <a:defRPr sz="1600" b="1"/>
             </a:lvl7pPr>
-            <a:lvl8pPr marL="3054566" indent="0">
+            <a:lvl8pPr marL="3200400" indent="0">
               <a:buNone/>
               <a:defRPr sz="1600" b="1"/>
             </a:lvl8pPr>
-            <a:lvl9pPr marL="3490932" indent="0">
+            <a:lvl9pPr marL="3657600" indent="0">
               <a:buNone/>
               <a:defRPr sz="1600" b="1"/>
             </a:lvl9pPr>
@@ -2121,7 +1674,7 @@
         </p:nvSpPr>
         <p:spPr>
           <a:xfrm>
-            <a:off x="4645026" y="2174876"/>
+            <a:off x="4645025" y="2174875"/>
             <a:ext cx="4041775" cy="3951288"/>
           </a:xfrm>
         </p:spPr>
@@ -2129,13 +1682,13 @@
           <a:bodyPr/>
           <a:lstStyle>
             <a:lvl1pPr>
-              <a:defRPr sz="2300"/>
+              <a:defRPr sz="2400"/>
             </a:lvl1pPr>
             <a:lvl2pPr>
-              <a:defRPr sz="1900"/>
+              <a:defRPr sz="2000"/>
             </a:lvl2pPr>
             <a:lvl3pPr>
-              <a:defRPr sz="1700"/>
+              <a:defRPr sz="1800"/>
             </a:lvl3pPr>
             <a:lvl4pPr>
               <a:defRPr sz="1600"/>
@@ -2190,7 +1743,7 @@
               <a:rPr lang="en-US" smtClean="0"/>
               <a:t>Fifth level</a:t>
             </a:r>
-            <a:endParaRPr lang="en-US"/>
+            <a:endParaRPr lang="en-SG"/>
           </a:p>
         </p:txBody>
       </p:sp>
@@ -2209,7 +1762,11 @@
           <a:bodyPr/>
           <a:lstStyle/>
           <a:p>
-            <a:endParaRPr lang="en-US"/>
+            <a:fld id="{A0F86979-30DA-49EE-A740-32EBA6D2B7DE}" type="datetimeFigureOut">
+              <a:rPr lang="en-SG" smtClean="0"/>
+              <a:t>2/6/2017</a:t>
+            </a:fld>
+            <a:endParaRPr lang="en-SG"/>
           </a:p>
         </p:txBody>
       </p:sp>
@@ -2228,7 +1785,7 @@
           <a:bodyPr/>
           <a:lstStyle/>
           <a:p>
-            <a:endParaRPr lang="en-US"/>
+            <a:endParaRPr lang="en-SG"/>
           </a:p>
         </p:txBody>
       </p:sp>
@@ -2247,27 +1804,24 @@
           <a:bodyPr/>
           <a:lstStyle/>
           <a:p>
-            <a:fld id="{5B8905EB-9186-4B9B-BEF9-C6B1CD50847D}" type="slidenum">
-              <a:rPr lang="en-US" smtClean="0"/>
-              <a:pPr/>
+            <a:fld id="{EBF7C7F7-E270-4260-A412-76A75D6182AD}" type="slidenum">
+              <a:rPr lang="en-SG" smtClean="0"/>
               <a:t>‹#›</a:t>
             </a:fld>
-            <a:endParaRPr lang="en-US"/>
+            <a:endParaRPr lang="en-SG"/>
           </a:p>
         </p:txBody>
       </p:sp>
     </p:spTree>
+    <p:extLst>
+      <p:ext uri="{BB962C8B-B14F-4D97-AF65-F5344CB8AC3E}">
+        <p14:creationId xmlns:p14="http://schemas.microsoft.com/office/powerpoint/2010/main" val="188146314"/>
+      </p:ext>
+    </p:extLst>
   </p:cSld>
   <p:clrMapOvr>
     <a:masterClrMapping/>
   </p:clrMapOvr>
-  <p:timing>
-    <p:tnLst>
-      <p:par>
-        <p:cTn id="1" dur="indefinite" restart="never" nodeType="tmRoot"/>
-      </p:par>
-    </p:tnLst>
-  </p:timing>
 </p:sldLayout>
 </file>
 
@@ -2307,7 +1861,7 @@
               <a:rPr lang="en-US" smtClean="0"/>
               <a:t>Click to edit Master title style</a:t>
             </a:r>
-            <a:endParaRPr lang="en-US"/>
+            <a:endParaRPr lang="en-SG"/>
           </a:p>
         </p:txBody>
       </p:sp>
@@ -2326,7 +1880,11 @@
           <a:bodyPr/>
           <a:lstStyle/>
           <a:p>
-            <a:endParaRPr lang="en-US"/>
+            <a:fld id="{A0F86979-30DA-49EE-A740-32EBA6D2B7DE}" type="datetimeFigureOut">
+              <a:rPr lang="en-SG" smtClean="0"/>
+              <a:t>2/6/2017</a:t>
+            </a:fld>
+            <a:endParaRPr lang="en-SG"/>
           </a:p>
         </p:txBody>
       </p:sp>
@@ -2345,7 +1903,7 @@
           <a:bodyPr/>
           <a:lstStyle/>
           <a:p>
-            <a:endParaRPr lang="en-US"/>
+            <a:endParaRPr lang="en-SG"/>
           </a:p>
         </p:txBody>
       </p:sp>
@@ -2364,16 +1922,20 @@
           <a:bodyPr/>
           <a:lstStyle/>
           <a:p>
-            <a:fld id="{5B8905EB-9186-4B9B-BEF9-C6B1CD50847D}" type="slidenum">
-              <a:rPr lang="en-US" smtClean="0"/>
-              <a:pPr/>
+            <a:fld id="{EBF7C7F7-E270-4260-A412-76A75D6182AD}" type="slidenum">
+              <a:rPr lang="en-SG" smtClean="0"/>
               <a:t>‹#›</a:t>
             </a:fld>
-            <a:endParaRPr lang="en-US"/>
+            <a:endParaRPr lang="en-SG"/>
           </a:p>
         </p:txBody>
       </p:sp>
     </p:spTree>
+    <p:extLst>
+      <p:ext uri="{BB962C8B-B14F-4D97-AF65-F5344CB8AC3E}">
+        <p14:creationId xmlns:p14="http://schemas.microsoft.com/office/powerpoint/2010/main" val="3909473291"/>
+      </p:ext>
+    </p:extLst>
   </p:cSld>
   <p:clrMapOvr>
     <a:masterClrMapping/>
@@ -2413,7 +1975,11 @@
           <a:bodyPr/>
           <a:lstStyle/>
           <a:p>
-            <a:endParaRPr lang="en-US"/>
+            <a:fld id="{A0F86979-30DA-49EE-A740-32EBA6D2B7DE}" type="datetimeFigureOut">
+              <a:rPr lang="en-SG" smtClean="0"/>
+              <a:t>2/6/2017</a:t>
+            </a:fld>
+            <a:endParaRPr lang="en-SG"/>
           </a:p>
         </p:txBody>
       </p:sp>
@@ -2432,7 +1998,7 @@
           <a:bodyPr/>
           <a:lstStyle/>
           <a:p>
-            <a:endParaRPr lang="en-US"/>
+            <a:endParaRPr lang="en-SG"/>
           </a:p>
         </p:txBody>
       </p:sp>
@@ -2451,16 +2017,20 @@
           <a:bodyPr/>
           <a:lstStyle/>
           <a:p>
-            <a:fld id="{5B8905EB-9186-4B9B-BEF9-C6B1CD50847D}" type="slidenum">
-              <a:rPr lang="en-US" smtClean="0"/>
-              <a:pPr/>
+            <a:fld id="{EBF7C7F7-E270-4260-A412-76A75D6182AD}" type="slidenum">
+              <a:rPr lang="en-SG" smtClean="0"/>
               <a:t>‹#›</a:t>
             </a:fld>
-            <a:endParaRPr lang="en-US"/>
+            <a:endParaRPr lang="en-SG"/>
           </a:p>
         </p:txBody>
       </p:sp>
     </p:spTree>
+    <p:extLst>
+      <p:ext uri="{BB962C8B-B14F-4D97-AF65-F5344CB8AC3E}">
+        <p14:creationId xmlns:p14="http://schemas.microsoft.com/office/powerpoint/2010/main" val="3259271892"/>
+      </p:ext>
+    </p:extLst>
   </p:cSld>
   <p:clrMapOvr>
     <a:masterClrMapping/>
@@ -2497,15 +2067,15 @@
         </p:nvSpPr>
         <p:spPr>
           <a:xfrm>
-            <a:off x="457201" y="273050"/>
-            <a:ext cx="3008314" cy="1162050"/>
+            <a:off x="457200" y="273050"/>
+            <a:ext cx="3008313" cy="1162050"/>
           </a:xfrm>
         </p:spPr>
         <p:txBody>
           <a:bodyPr anchor="b"/>
           <a:lstStyle>
             <a:lvl1pPr algn="l">
-              <a:defRPr sz="1900" b="1"/>
+              <a:defRPr sz="2000" b="1"/>
             </a:lvl1pPr>
           </a:lstStyle>
           <a:p>
@@ -2513,7 +2083,7 @@
               <a:rPr lang="en-US" smtClean="0"/>
               <a:t>Click to edit Master title style</a:t>
             </a:r>
-            <a:endParaRPr lang="en-US"/>
+            <a:endParaRPr lang="en-SG"/>
           </a:p>
         </p:txBody>
       </p:sp>
@@ -2529,39 +2099,39 @@
         </p:nvSpPr>
         <p:spPr>
           <a:xfrm>
-            <a:off x="3575049" y="273053"/>
-            <a:ext cx="5111751" cy="5853113"/>
+            <a:off x="3575050" y="273050"/>
+            <a:ext cx="5111750" cy="5853113"/>
           </a:xfrm>
         </p:spPr>
         <p:txBody>
           <a:bodyPr/>
           <a:lstStyle>
             <a:lvl1pPr>
-              <a:defRPr sz="3000"/>
+              <a:defRPr sz="3200"/>
             </a:lvl1pPr>
             <a:lvl2pPr>
-              <a:defRPr sz="2700"/>
+              <a:defRPr sz="2800"/>
             </a:lvl2pPr>
             <a:lvl3pPr>
-              <a:defRPr sz="2300"/>
+              <a:defRPr sz="2400"/>
             </a:lvl3pPr>
             <a:lvl4pPr>
-              <a:defRPr sz="1900"/>
+              <a:defRPr sz="2000"/>
             </a:lvl4pPr>
             <a:lvl5pPr>
-              <a:defRPr sz="1900"/>
+              <a:defRPr sz="2000"/>
             </a:lvl5pPr>
             <a:lvl6pPr>
-              <a:defRPr sz="1900"/>
+              <a:defRPr sz="2000"/>
             </a:lvl6pPr>
             <a:lvl7pPr>
-              <a:defRPr sz="1900"/>
+              <a:defRPr sz="2000"/>
             </a:lvl7pPr>
             <a:lvl8pPr>
-              <a:defRPr sz="1900"/>
+              <a:defRPr sz="2000"/>
             </a:lvl8pPr>
             <a:lvl9pPr>
-              <a:defRPr sz="1900"/>
+              <a:defRPr sz="2000"/>
             </a:lvl9pPr>
           </a:lstStyle>
           <a:p>
@@ -2598,7 +2168,7 @@
               <a:rPr lang="en-US" smtClean="0"/>
               <a:t>Fifth level</a:t>
             </a:r>
-            <a:endParaRPr lang="en-US"/>
+            <a:endParaRPr lang="en-SG"/>
           </a:p>
         </p:txBody>
       </p:sp>
@@ -2614,8 +2184,8 @@
         </p:nvSpPr>
         <p:spPr>
           <a:xfrm>
-            <a:off x="457201" y="1435103"/>
-            <a:ext cx="3008314" cy="4691063"/>
+            <a:off x="457200" y="1435100"/>
+            <a:ext cx="3008313" cy="4691063"/>
           </a:xfrm>
         </p:spPr>
         <p:txBody>
@@ -2625,37 +2195,37 @@
               <a:buNone/>
               <a:defRPr sz="1400"/>
             </a:lvl1pPr>
-            <a:lvl2pPr marL="436366" indent="0">
-              <a:buNone/>
-              <a:defRPr sz="1100"/>
+            <a:lvl2pPr marL="457200" indent="0">
+              <a:buNone/>
+              <a:defRPr sz="1200"/>
             </a:lvl2pPr>
-            <a:lvl3pPr marL="872733" indent="0">
+            <a:lvl3pPr marL="914400" indent="0">
+              <a:buNone/>
+              <a:defRPr sz="1000"/>
+            </a:lvl3pPr>
+            <a:lvl4pPr marL="1371600" indent="0">
               <a:buNone/>
               <a:defRPr sz="900"/>
-            </a:lvl3pPr>
-            <a:lvl4pPr marL="1309099" indent="0">
-              <a:buNone/>
-              <a:defRPr sz="800"/>
             </a:lvl4pPr>
-            <a:lvl5pPr marL="1745465" indent="0">
-              <a:buNone/>
-              <a:defRPr sz="800"/>
+            <a:lvl5pPr marL="1828800" indent="0">
+              <a:buNone/>
+              <a:defRPr sz="900"/>
             </a:lvl5pPr>
-            <a:lvl6pPr marL="2181832" indent="0">
-              <a:buNone/>
-              <a:defRPr sz="800"/>
+            <a:lvl6pPr marL="2286000" indent="0">
+              <a:buNone/>
+              <a:defRPr sz="900"/>
             </a:lvl6pPr>
-            <a:lvl7pPr marL="2618199" indent="0">
-              <a:buNone/>
-              <a:defRPr sz="800"/>
+            <a:lvl7pPr marL="2743200" indent="0">
+              <a:buNone/>
+              <a:defRPr sz="900"/>
             </a:lvl7pPr>
-            <a:lvl8pPr marL="3054566" indent="0">
-              <a:buNone/>
-              <a:defRPr sz="800"/>
+            <a:lvl8pPr marL="3200400" indent="0">
+              <a:buNone/>
+              <a:defRPr sz="900"/>
             </a:lvl8pPr>
-            <a:lvl9pPr marL="3490932" indent="0">
-              <a:buNone/>
-              <a:defRPr sz="800"/>
+            <a:lvl9pPr marL="3657600" indent="0">
+              <a:buNone/>
+              <a:defRPr sz="900"/>
             </a:lvl9pPr>
           </a:lstStyle>
           <a:p>
@@ -2682,7 +2252,11 @@
           <a:bodyPr/>
           <a:lstStyle/>
           <a:p>
-            <a:endParaRPr lang="en-US"/>
+            <a:fld id="{A0F86979-30DA-49EE-A740-32EBA6D2B7DE}" type="datetimeFigureOut">
+              <a:rPr lang="en-SG" smtClean="0"/>
+              <a:t>2/6/2017</a:t>
+            </a:fld>
+            <a:endParaRPr lang="en-SG"/>
           </a:p>
         </p:txBody>
       </p:sp>
@@ -2701,7 +2275,7 @@
           <a:bodyPr/>
           <a:lstStyle/>
           <a:p>
-            <a:endParaRPr lang="en-US"/>
+            <a:endParaRPr lang="en-SG"/>
           </a:p>
         </p:txBody>
       </p:sp>
@@ -2720,16 +2294,20 @@
           <a:bodyPr/>
           <a:lstStyle/>
           <a:p>
-            <a:fld id="{5B8905EB-9186-4B9B-BEF9-C6B1CD50847D}" type="slidenum">
-              <a:rPr lang="en-US" smtClean="0"/>
-              <a:pPr/>
+            <a:fld id="{EBF7C7F7-E270-4260-A412-76A75D6182AD}" type="slidenum">
+              <a:rPr lang="en-SG" smtClean="0"/>
               <a:t>‹#›</a:t>
             </a:fld>
-            <a:endParaRPr lang="en-US"/>
+            <a:endParaRPr lang="en-SG"/>
           </a:p>
         </p:txBody>
       </p:sp>
     </p:spTree>
+    <p:extLst>
+      <p:ext uri="{BB962C8B-B14F-4D97-AF65-F5344CB8AC3E}">
+        <p14:creationId xmlns:p14="http://schemas.microsoft.com/office/powerpoint/2010/main" val="2859859922"/>
+      </p:ext>
+    </p:extLst>
   </p:cSld>
   <p:clrMapOvr>
     <a:masterClrMapping/>
@@ -2766,7 +2344,7 @@
         </p:nvSpPr>
         <p:spPr>
           <a:xfrm>
-            <a:off x="1792287" y="4800601"/>
+            <a:off x="1792288" y="4800600"/>
             <a:ext cx="5486400" cy="566738"/>
           </a:xfrm>
         </p:spPr>
@@ -2774,7 +2352,7 @@
           <a:bodyPr anchor="b"/>
           <a:lstStyle>
             <a:lvl1pPr algn="l">
-              <a:defRPr sz="1900" b="1"/>
+              <a:defRPr sz="2000" b="1"/>
             </a:lvl1pPr>
           </a:lstStyle>
           <a:p>
@@ -2782,7 +2360,7 @@
               <a:rPr lang="en-US" smtClean="0"/>
               <a:t>Click to edit Master title style</a:t>
             </a:r>
-            <a:endParaRPr lang="en-US"/>
+            <a:endParaRPr lang="en-SG"/>
           </a:p>
         </p:txBody>
       </p:sp>
@@ -2798,7 +2376,7 @@
         </p:nvSpPr>
         <p:spPr>
           <a:xfrm>
-            <a:off x="1792287" y="612775"/>
+            <a:off x="1792288" y="612775"/>
             <a:ext cx="5486400" cy="4114800"/>
           </a:xfrm>
         </p:spPr>
@@ -2807,43 +2385,43 @@
           <a:lstStyle>
             <a:lvl1pPr marL="0" indent="0">
               <a:buNone/>
-              <a:defRPr sz="3000"/>
+              <a:defRPr sz="3200"/>
             </a:lvl1pPr>
-            <a:lvl2pPr marL="436366" indent="0">
-              <a:buNone/>
-              <a:defRPr sz="2700"/>
+            <a:lvl2pPr marL="457200" indent="0">
+              <a:buNone/>
+              <a:defRPr sz="2800"/>
             </a:lvl2pPr>
-            <a:lvl3pPr marL="872733" indent="0">
-              <a:buNone/>
-              <a:defRPr sz="2300"/>
+            <a:lvl3pPr marL="914400" indent="0">
+              <a:buNone/>
+              <a:defRPr sz="2400"/>
             </a:lvl3pPr>
-            <a:lvl4pPr marL="1309099" indent="0">
-              <a:buNone/>
-              <a:defRPr sz="1900"/>
+            <a:lvl4pPr marL="1371600" indent="0">
+              <a:buNone/>
+              <a:defRPr sz="2000"/>
             </a:lvl4pPr>
-            <a:lvl5pPr marL="1745465" indent="0">
-              <a:buNone/>
-              <a:defRPr sz="1900"/>
+            <a:lvl5pPr marL="1828800" indent="0">
+              <a:buNone/>
+              <a:defRPr sz="2000"/>
             </a:lvl5pPr>
-            <a:lvl6pPr marL="2181832" indent="0">
-              <a:buNone/>
-              <a:defRPr sz="1900"/>
+            <a:lvl6pPr marL="2286000" indent="0">
+              <a:buNone/>
+              <a:defRPr sz="2000"/>
             </a:lvl6pPr>
-            <a:lvl7pPr marL="2618199" indent="0">
-              <a:buNone/>
-              <a:defRPr sz="1900"/>
+            <a:lvl7pPr marL="2743200" indent="0">
+              <a:buNone/>
+              <a:defRPr sz="2000"/>
             </a:lvl7pPr>
-            <a:lvl8pPr marL="3054566" indent="0">
-              <a:buNone/>
-              <a:defRPr sz="1900"/>
+            <a:lvl8pPr marL="3200400" indent="0">
+              <a:buNone/>
+              <a:defRPr sz="2000"/>
             </a:lvl8pPr>
-            <a:lvl9pPr marL="3490932" indent="0">
-              <a:buNone/>
-              <a:defRPr sz="1900"/>
+            <a:lvl9pPr marL="3657600" indent="0">
+              <a:buNone/>
+              <a:defRPr sz="2000"/>
             </a:lvl9pPr>
           </a:lstStyle>
           <a:p>
-            <a:endParaRPr lang="en-US"/>
+            <a:endParaRPr lang="en-SG"/>
           </a:p>
         </p:txBody>
       </p:sp>
@@ -2859,7 +2437,7 @@
         </p:nvSpPr>
         <p:spPr>
           <a:xfrm>
-            <a:off x="1792287" y="5367339"/>
+            <a:off x="1792288" y="5367338"/>
             <a:ext cx="5486400" cy="804862"/>
           </a:xfrm>
         </p:spPr>
@@ -2870,37 +2448,37 @@
               <a:buNone/>
               <a:defRPr sz="1400"/>
             </a:lvl1pPr>
-            <a:lvl2pPr marL="436366" indent="0">
-              <a:buNone/>
-              <a:defRPr sz="1100"/>
+            <a:lvl2pPr marL="457200" indent="0">
+              <a:buNone/>
+              <a:defRPr sz="1200"/>
             </a:lvl2pPr>
-            <a:lvl3pPr marL="872733" indent="0">
+            <a:lvl3pPr marL="914400" indent="0">
+              <a:buNone/>
+              <a:defRPr sz="1000"/>
+            </a:lvl3pPr>
+            <a:lvl4pPr marL="1371600" indent="0">
               <a:buNone/>
               <a:defRPr sz="900"/>
-            </a:lvl3pPr>
-            <a:lvl4pPr marL="1309099" indent="0">
-              <a:buNone/>
-              <a:defRPr sz="800"/>
             </a:lvl4pPr>
-            <a:lvl5pPr marL="1745465" indent="0">
-              <a:buNone/>
-              <a:defRPr sz="800"/>
+            <a:lvl5pPr marL="1828800" indent="0">
+              <a:buNone/>
+              <a:defRPr sz="900"/>
             </a:lvl5pPr>
-            <a:lvl6pPr marL="2181832" indent="0">
-              <a:buNone/>
-              <a:defRPr sz="800"/>
+            <a:lvl6pPr marL="2286000" indent="0">
+              <a:buNone/>
+              <a:defRPr sz="900"/>
             </a:lvl6pPr>
-            <a:lvl7pPr marL="2618199" indent="0">
-              <a:buNone/>
-              <a:defRPr sz="800"/>
+            <a:lvl7pPr marL="2743200" indent="0">
+              <a:buNone/>
+              <a:defRPr sz="900"/>
             </a:lvl7pPr>
-            <a:lvl8pPr marL="3054566" indent="0">
-              <a:buNone/>
-              <a:defRPr sz="800"/>
+            <a:lvl8pPr marL="3200400" indent="0">
+              <a:buNone/>
+              <a:defRPr sz="900"/>
             </a:lvl8pPr>
-            <a:lvl9pPr marL="3490932" indent="0">
-              <a:buNone/>
-              <a:defRPr sz="800"/>
+            <a:lvl9pPr marL="3657600" indent="0">
+              <a:buNone/>
+              <a:defRPr sz="900"/>
             </a:lvl9pPr>
           </a:lstStyle>
           <a:p>
@@ -2927,7 +2505,11 @@
           <a:bodyPr/>
           <a:lstStyle/>
           <a:p>
-            <a:endParaRPr lang="en-US"/>
+            <a:fld id="{A0F86979-30DA-49EE-A740-32EBA6D2B7DE}" type="datetimeFigureOut">
+              <a:rPr lang="en-SG" smtClean="0"/>
+              <a:t>2/6/2017</a:t>
+            </a:fld>
+            <a:endParaRPr lang="en-SG"/>
           </a:p>
         </p:txBody>
       </p:sp>
@@ -2946,7 +2528,7 @@
           <a:bodyPr/>
           <a:lstStyle/>
           <a:p>
-            <a:endParaRPr lang="en-US"/>
+            <a:endParaRPr lang="en-SG"/>
           </a:p>
         </p:txBody>
       </p:sp>
@@ -2965,16 +2547,20 @@
           <a:bodyPr/>
           <a:lstStyle/>
           <a:p>
-            <a:fld id="{5B8905EB-9186-4B9B-BEF9-C6B1CD50847D}" type="slidenum">
-              <a:rPr lang="en-US" smtClean="0"/>
-              <a:pPr/>
+            <a:fld id="{EBF7C7F7-E270-4260-A412-76A75D6182AD}" type="slidenum">
+              <a:rPr lang="en-SG" smtClean="0"/>
               <a:t>‹#›</a:t>
             </a:fld>
-            <a:endParaRPr lang="en-US"/>
+            <a:endParaRPr lang="en-SG"/>
           </a:p>
         </p:txBody>
       </p:sp>
     </p:spTree>
+    <p:extLst>
+      <p:ext uri="{BB962C8B-B14F-4D97-AF65-F5344CB8AC3E}">
+        <p14:creationId xmlns:p14="http://schemas.microsoft.com/office/powerpoint/2010/main" val="1672414452"/>
+      </p:ext>
+    </p:extLst>
   </p:cSld>
   <p:clrMapOvr>
     <a:masterClrMapping/>
@@ -3024,7 +2610,7 @@
           </a:prstGeom>
         </p:spPr>
         <p:txBody>
-          <a:bodyPr vert="horz" lIns="87273" tIns="43637" rIns="87273" bIns="43637" rtlCol="0" anchor="ctr">
+          <a:bodyPr vert="horz" lIns="91440" tIns="45720" rIns="91440" bIns="45720" rtlCol="0" anchor="ctr">
             <a:normAutofit/>
           </a:bodyPr>
           <a:lstStyle/>
@@ -3033,7 +2619,7 @@
               <a:rPr lang="en-US" smtClean="0"/>
               <a:t>Click to edit Master title style</a:t>
             </a:r>
-            <a:endParaRPr lang="en-US"/>
+            <a:endParaRPr lang="en-SG"/>
           </a:p>
         </p:txBody>
       </p:sp>
@@ -3049,7 +2635,7 @@
         </p:nvSpPr>
         <p:spPr>
           <a:xfrm>
-            <a:off x="457200" y="1600203"/>
+            <a:off x="457200" y="1600200"/>
             <a:ext cx="8229600" cy="4525963"/>
           </a:xfrm>
           <a:prstGeom prst="rect">
@@ -3057,7 +2643,7 @@
           </a:prstGeom>
         </p:spPr>
         <p:txBody>
-          <a:bodyPr vert="horz" lIns="87273" tIns="43637" rIns="87273" bIns="43637" rtlCol="0">
+          <a:bodyPr vert="horz" lIns="91440" tIns="45720" rIns="91440" bIns="45720" rtlCol="0">
             <a:normAutofit/>
           </a:bodyPr>
           <a:lstStyle/>
@@ -3095,7 +2681,7 @@
               <a:rPr lang="en-US" smtClean="0"/>
               <a:t>Fifth level</a:t>
             </a:r>
-            <a:endParaRPr lang="en-US"/>
+            <a:endParaRPr lang="en-SG"/>
           </a:p>
         </p:txBody>
       </p:sp>
@@ -3111,7 +2697,7 @@
         </p:nvSpPr>
         <p:spPr>
           <a:xfrm>
-            <a:off x="457200" y="6356353"/>
+            <a:off x="457200" y="6356350"/>
             <a:ext cx="2133600" cy="365125"/>
           </a:xfrm>
           <a:prstGeom prst="rect">
@@ -3119,10 +2705,10 @@
           </a:prstGeom>
         </p:spPr>
         <p:txBody>
-          <a:bodyPr vert="horz" lIns="87273" tIns="43637" rIns="87273" bIns="43637" rtlCol="0" anchor="ctr"/>
+          <a:bodyPr vert="horz" lIns="91440" tIns="45720" rIns="91440" bIns="45720" rtlCol="0" anchor="ctr"/>
           <a:lstStyle>
             <a:lvl1pPr algn="l">
-              <a:defRPr sz="1100">
+              <a:defRPr sz="1200">
                 <a:solidFill>
                   <a:schemeClr val="tx1">
                     <a:tint val="75000"/>
@@ -3132,7 +2718,11 @@
             </a:lvl1pPr>
           </a:lstStyle>
           <a:p>
-            <a:endParaRPr lang="en-US"/>
+            <a:fld id="{A0F86979-30DA-49EE-A740-32EBA6D2B7DE}" type="datetimeFigureOut">
+              <a:rPr lang="en-SG" smtClean="0"/>
+              <a:t>2/6/2017</a:t>
+            </a:fld>
+            <a:endParaRPr lang="en-SG"/>
           </a:p>
         </p:txBody>
       </p:sp>
@@ -3148,7 +2738,7 @@
         </p:nvSpPr>
         <p:spPr>
           <a:xfrm>
-            <a:off x="3124200" y="6356353"/>
+            <a:off x="3124200" y="6356350"/>
             <a:ext cx="2895600" cy="365125"/>
           </a:xfrm>
           <a:prstGeom prst="rect">
@@ -3156,10 +2746,10 @@
           </a:prstGeom>
         </p:spPr>
         <p:txBody>
-          <a:bodyPr vert="horz" lIns="87273" tIns="43637" rIns="87273" bIns="43637" rtlCol="0" anchor="ctr"/>
+          <a:bodyPr vert="horz" lIns="91440" tIns="45720" rIns="91440" bIns="45720" rtlCol="0" anchor="ctr"/>
           <a:lstStyle>
             <a:lvl1pPr algn="ctr">
-              <a:defRPr sz="1100">
+              <a:defRPr sz="1200">
                 <a:solidFill>
                   <a:schemeClr val="tx1">
                     <a:tint val="75000"/>
@@ -3169,7 +2759,7 @@
             </a:lvl1pPr>
           </a:lstStyle>
           <a:p>
-            <a:endParaRPr lang="en-US"/>
+            <a:endParaRPr lang="en-SG"/>
           </a:p>
         </p:txBody>
       </p:sp>
@@ -3185,7 +2775,7 @@
         </p:nvSpPr>
         <p:spPr>
           <a:xfrm>
-            <a:off x="6553200" y="6356353"/>
+            <a:off x="6553200" y="6356350"/>
             <a:ext cx="2133600" cy="365125"/>
           </a:xfrm>
           <a:prstGeom prst="rect">
@@ -3193,10 +2783,10 @@
           </a:prstGeom>
         </p:spPr>
         <p:txBody>
-          <a:bodyPr vert="horz" lIns="87273" tIns="43637" rIns="87273" bIns="43637" rtlCol="0" anchor="ctr"/>
+          <a:bodyPr vert="horz" lIns="91440" tIns="45720" rIns="91440" bIns="45720" rtlCol="0" anchor="ctr"/>
           <a:lstStyle>
             <a:lvl1pPr algn="r">
-              <a:defRPr sz="1100">
+              <a:defRPr sz="1200">
                 <a:solidFill>
                   <a:schemeClr val="tx1">
                     <a:tint val="75000"/>
@@ -3206,16 +2796,20 @@
             </a:lvl1pPr>
           </a:lstStyle>
           <a:p>
-            <a:fld id="{5B8905EB-9186-4B9B-BEF9-C6B1CD50847D}" type="slidenum">
-              <a:rPr lang="en-US" smtClean="0"/>
-              <a:pPr/>
+            <a:fld id="{EBF7C7F7-E270-4260-A412-76A75D6182AD}" type="slidenum">
+              <a:rPr lang="en-SG" smtClean="0"/>
               <a:t>‹#›</a:t>
             </a:fld>
-            <a:endParaRPr lang="en-US"/>
+            <a:endParaRPr lang="en-SG"/>
           </a:p>
         </p:txBody>
       </p:sp>
     </p:spTree>
+    <p:extLst>
+      <p:ext uri="{BB962C8B-B14F-4D97-AF65-F5344CB8AC3E}">
+        <p14:creationId xmlns:p14="http://schemas.microsoft.com/office/powerpoint/2010/main" val="1974023683"/>
+      </p:ext>
+    </p:extLst>
   </p:cSld>
   <p:clrMap bg1="lt1" tx1="dk1" bg2="lt2" tx2="dk2" accent1="accent1" accent2="accent2" accent3="accent3" accent4="accent4" accent5="accent5" accent6="accent6" hlink="hlink" folHlink="folHlink"/>
   <p:sldLayoutIdLst>
@@ -3231,15 +2825,14 @@
     <p:sldLayoutId id="2147483658" r:id="rId10"/>
     <p:sldLayoutId id="2147483659" r:id="rId11"/>
   </p:sldLayoutIdLst>
-  <p:hf hdr="0" ftr="0" dt="0"/>
   <p:txStyles>
     <p:titleStyle>
-      <a:lvl1pPr algn="ctr" defTabSz="872733" rtl="0" eaLnBrk="1" latinLnBrk="0" hangingPunct="1">
+      <a:lvl1pPr algn="ctr" defTabSz="914400" rtl="0" eaLnBrk="1" latinLnBrk="0" hangingPunct="1">
         <a:spcBef>
           <a:spcPct val="0"/>
         </a:spcBef>
         <a:buNone/>
-        <a:defRPr sz="4200" kern="1200">
+        <a:defRPr sz="4400" kern="1200">
           <a:solidFill>
             <a:schemeClr val="tx1"/>
           </a:solidFill>
@@ -3250,13 +2843,13 @@
       </a:lvl1pPr>
     </p:titleStyle>
     <p:bodyStyle>
-      <a:lvl1pPr marL="327275" indent="-327275" algn="l" defTabSz="872733" rtl="0" eaLnBrk="1" latinLnBrk="0" hangingPunct="1">
+      <a:lvl1pPr marL="342900" indent="-342900" algn="l" defTabSz="914400" rtl="0" eaLnBrk="1" latinLnBrk="0" hangingPunct="1">
         <a:spcBef>
           <a:spcPct val="20000"/>
         </a:spcBef>
-        <a:buFont typeface="Arial" pitchFamily="34" charset="0"/>
+        <a:buFont typeface="Arial" panose="020B0604020202020204" pitchFamily="34" charset="0"/>
         <a:buChar char="•"/>
-        <a:defRPr sz="3000" kern="1200">
+        <a:defRPr sz="3200" kern="1200">
           <a:solidFill>
             <a:schemeClr val="tx1"/>
           </a:solidFill>
@@ -3265,13 +2858,13 @@
           <a:cs typeface="+mn-cs"/>
         </a:defRPr>
       </a:lvl1pPr>
-      <a:lvl2pPr marL="709095" indent="-272729" algn="l" defTabSz="872733" rtl="0" eaLnBrk="1" latinLnBrk="0" hangingPunct="1">
+      <a:lvl2pPr marL="742950" indent="-285750" algn="l" defTabSz="914400" rtl="0" eaLnBrk="1" latinLnBrk="0" hangingPunct="1">
         <a:spcBef>
           <a:spcPct val="20000"/>
         </a:spcBef>
-        <a:buFont typeface="Arial" pitchFamily="34" charset="0"/>
+        <a:buFont typeface="Arial" panose="020B0604020202020204" pitchFamily="34" charset="0"/>
         <a:buChar char="–"/>
-        <a:defRPr sz="2700" kern="1200">
+        <a:defRPr sz="2800" kern="1200">
           <a:solidFill>
             <a:schemeClr val="tx1"/>
           </a:solidFill>
@@ -3280,13 +2873,13 @@
           <a:cs typeface="+mn-cs"/>
         </a:defRPr>
       </a:lvl2pPr>
-      <a:lvl3pPr marL="1090916" indent="-218183" algn="l" defTabSz="872733" rtl="0" eaLnBrk="1" latinLnBrk="0" hangingPunct="1">
+      <a:lvl3pPr marL="1143000" indent="-228600" algn="l" defTabSz="914400" rtl="0" eaLnBrk="1" latinLnBrk="0" hangingPunct="1">
         <a:spcBef>
           <a:spcPct val="20000"/>
         </a:spcBef>
-        <a:buFont typeface="Arial" pitchFamily="34" charset="0"/>
+        <a:buFont typeface="Arial" panose="020B0604020202020204" pitchFamily="34" charset="0"/>
         <a:buChar char="•"/>
-        <a:defRPr sz="2300" kern="1200">
+        <a:defRPr sz="2400" kern="1200">
           <a:solidFill>
             <a:schemeClr val="tx1"/>
           </a:solidFill>
@@ -3295,13 +2888,13 @@
           <a:cs typeface="+mn-cs"/>
         </a:defRPr>
       </a:lvl3pPr>
-      <a:lvl4pPr marL="1527282" indent="-218183" algn="l" defTabSz="872733" rtl="0" eaLnBrk="1" latinLnBrk="0" hangingPunct="1">
+      <a:lvl4pPr marL="1600200" indent="-228600" algn="l" defTabSz="914400" rtl="0" eaLnBrk="1" latinLnBrk="0" hangingPunct="1">
         <a:spcBef>
           <a:spcPct val="20000"/>
         </a:spcBef>
-        <a:buFont typeface="Arial" pitchFamily="34" charset="0"/>
+        <a:buFont typeface="Arial" panose="020B0604020202020204" pitchFamily="34" charset="0"/>
         <a:buChar char="–"/>
-        <a:defRPr sz="1900" kern="1200">
+        <a:defRPr sz="2000" kern="1200">
           <a:solidFill>
             <a:schemeClr val="tx1"/>
           </a:solidFill>
@@ -3310,13 +2903,13 @@
           <a:cs typeface="+mn-cs"/>
         </a:defRPr>
       </a:lvl4pPr>
-      <a:lvl5pPr marL="1963649" indent="-218183" algn="l" defTabSz="872733" rtl="0" eaLnBrk="1" latinLnBrk="0" hangingPunct="1">
+      <a:lvl5pPr marL="2057400" indent="-228600" algn="l" defTabSz="914400" rtl="0" eaLnBrk="1" latinLnBrk="0" hangingPunct="1">
         <a:spcBef>
           <a:spcPct val="20000"/>
         </a:spcBef>
-        <a:buFont typeface="Arial" pitchFamily="34" charset="0"/>
+        <a:buFont typeface="Arial" panose="020B0604020202020204" pitchFamily="34" charset="0"/>
         <a:buChar char="»"/>
-        <a:defRPr sz="1900" kern="1200">
+        <a:defRPr sz="2000" kern="1200">
           <a:solidFill>
             <a:schemeClr val="tx1"/>
           </a:solidFill>
@@ -3325,13 +2918,13 @@
           <a:cs typeface="+mn-cs"/>
         </a:defRPr>
       </a:lvl5pPr>
-      <a:lvl6pPr marL="2400015" indent="-218183" algn="l" defTabSz="872733" rtl="0" eaLnBrk="1" latinLnBrk="0" hangingPunct="1">
+      <a:lvl6pPr marL="2514600" indent="-228600" algn="l" defTabSz="914400" rtl="0" eaLnBrk="1" latinLnBrk="0" hangingPunct="1">
         <a:spcBef>
           <a:spcPct val="20000"/>
         </a:spcBef>
-        <a:buFont typeface="Arial" pitchFamily="34" charset="0"/>
+        <a:buFont typeface="Arial" panose="020B0604020202020204" pitchFamily="34" charset="0"/>
         <a:buChar char="•"/>
-        <a:defRPr sz="1900" kern="1200">
+        <a:defRPr sz="2000" kern="1200">
           <a:solidFill>
             <a:schemeClr val="tx1"/>
           </a:solidFill>
@@ -3340,13 +2933,13 @@
           <a:cs typeface="+mn-cs"/>
         </a:defRPr>
       </a:lvl6pPr>
-      <a:lvl7pPr marL="2836382" indent="-218183" algn="l" defTabSz="872733" rtl="0" eaLnBrk="1" latinLnBrk="0" hangingPunct="1">
+      <a:lvl7pPr marL="2971800" indent="-228600" algn="l" defTabSz="914400" rtl="0" eaLnBrk="1" latinLnBrk="0" hangingPunct="1">
         <a:spcBef>
           <a:spcPct val="20000"/>
         </a:spcBef>
-        <a:buFont typeface="Arial" pitchFamily="34" charset="0"/>
+        <a:buFont typeface="Arial" panose="020B0604020202020204" pitchFamily="34" charset="0"/>
         <a:buChar char="•"/>
-        <a:defRPr sz="1900" kern="1200">
+        <a:defRPr sz="2000" kern="1200">
           <a:solidFill>
             <a:schemeClr val="tx1"/>
           </a:solidFill>
@@ -3355,13 +2948,13 @@
           <a:cs typeface="+mn-cs"/>
         </a:defRPr>
       </a:lvl7pPr>
-      <a:lvl8pPr marL="3272749" indent="-218183" algn="l" defTabSz="872733" rtl="0" eaLnBrk="1" latinLnBrk="0" hangingPunct="1">
+      <a:lvl8pPr marL="3429000" indent="-228600" algn="l" defTabSz="914400" rtl="0" eaLnBrk="1" latinLnBrk="0" hangingPunct="1">
         <a:spcBef>
           <a:spcPct val="20000"/>
         </a:spcBef>
-        <a:buFont typeface="Arial" pitchFamily="34" charset="0"/>
+        <a:buFont typeface="Arial" panose="020B0604020202020204" pitchFamily="34" charset="0"/>
         <a:buChar char="•"/>
-        <a:defRPr sz="1900" kern="1200">
+        <a:defRPr sz="2000" kern="1200">
           <a:solidFill>
             <a:schemeClr val="tx1"/>
           </a:solidFill>
@@ -3370,13 +2963,13 @@
           <a:cs typeface="+mn-cs"/>
         </a:defRPr>
       </a:lvl8pPr>
-      <a:lvl9pPr marL="3709115" indent="-218183" algn="l" defTabSz="872733" rtl="0" eaLnBrk="1" latinLnBrk="0" hangingPunct="1">
+      <a:lvl9pPr marL="3886200" indent="-228600" algn="l" defTabSz="914400" rtl="0" eaLnBrk="1" latinLnBrk="0" hangingPunct="1">
         <a:spcBef>
           <a:spcPct val="20000"/>
         </a:spcBef>
-        <a:buFont typeface="Arial" pitchFamily="34" charset="0"/>
+        <a:buFont typeface="Arial" panose="020B0604020202020204" pitchFamily="34" charset="0"/>
         <a:buChar char="•"/>
-        <a:defRPr sz="1900" kern="1200">
+        <a:defRPr sz="2000" kern="1200">
           <a:solidFill>
             <a:schemeClr val="tx1"/>
           </a:solidFill>
@@ -3390,8 +2983,8 @@
       <a:defPPr>
         <a:defRPr lang="en-US"/>
       </a:defPPr>
-      <a:lvl1pPr marL="0" algn="l" defTabSz="872733" rtl="0" eaLnBrk="1" latinLnBrk="0" hangingPunct="1">
-        <a:defRPr sz="1700" kern="1200">
+      <a:lvl1pPr marL="0" algn="l" defTabSz="914400" rtl="0" eaLnBrk="1" latinLnBrk="0" hangingPunct="1">
+        <a:defRPr sz="1800" kern="1200">
           <a:solidFill>
             <a:schemeClr val="tx1"/>
           </a:solidFill>
@@ -3400,8 +2993,8 @@
           <a:cs typeface="+mn-cs"/>
         </a:defRPr>
       </a:lvl1pPr>
-      <a:lvl2pPr marL="436366" algn="l" defTabSz="872733" rtl="0" eaLnBrk="1" latinLnBrk="0" hangingPunct="1">
-        <a:defRPr sz="1700" kern="1200">
+      <a:lvl2pPr marL="457200" algn="l" defTabSz="914400" rtl="0" eaLnBrk="1" latinLnBrk="0" hangingPunct="1">
+        <a:defRPr sz="1800" kern="1200">
           <a:solidFill>
             <a:schemeClr val="tx1"/>
           </a:solidFill>
@@ -3410,8 +3003,8 @@
           <a:cs typeface="+mn-cs"/>
         </a:defRPr>
       </a:lvl2pPr>
-      <a:lvl3pPr marL="872733" algn="l" defTabSz="872733" rtl="0" eaLnBrk="1" latinLnBrk="0" hangingPunct="1">
-        <a:defRPr sz="1700" kern="1200">
+      <a:lvl3pPr marL="914400" algn="l" defTabSz="914400" rtl="0" eaLnBrk="1" latinLnBrk="0" hangingPunct="1">
+        <a:defRPr sz="1800" kern="1200">
           <a:solidFill>
             <a:schemeClr val="tx1"/>
           </a:solidFill>
@@ -3420,8 +3013,8 @@
           <a:cs typeface="+mn-cs"/>
         </a:defRPr>
       </a:lvl3pPr>
-      <a:lvl4pPr marL="1309099" algn="l" defTabSz="872733" rtl="0" eaLnBrk="1" latinLnBrk="0" hangingPunct="1">
-        <a:defRPr sz="1700" kern="1200">
+      <a:lvl4pPr marL="1371600" algn="l" defTabSz="914400" rtl="0" eaLnBrk="1" latinLnBrk="0" hangingPunct="1">
+        <a:defRPr sz="1800" kern="1200">
           <a:solidFill>
             <a:schemeClr val="tx1"/>
           </a:solidFill>
@@ -3430,8 +3023,8 @@
           <a:cs typeface="+mn-cs"/>
         </a:defRPr>
       </a:lvl4pPr>
-      <a:lvl5pPr marL="1745465" algn="l" defTabSz="872733" rtl="0" eaLnBrk="1" latinLnBrk="0" hangingPunct="1">
-        <a:defRPr sz="1700" kern="1200">
+      <a:lvl5pPr marL="1828800" algn="l" defTabSz="914400" rtl="0" eaLnBrk="1" latinLnBrk="0" hangingPunct="1">
+        <a:defRPr sz="1800" kern="1200">
           <a:solidFill>
             <a:schemeClr val="tx1"/>
           </a:solidFill>
@@ -3440,8 +3033,8 @@
           <a:cs typeface="+mn-cs"/>
         </a:defRPr>
       </a:lvl5pPr>
-      <a:lvl6pPr marL="2181832" algn="l" defTabSz="872733" rtl="0" eaLnBrk="1" latinLnBrk="0" hangingPunct="1">
-        <a:defRPr sz="1700" kern="1200">
+      <a:lvl6pPr marL="2286000" algn="l" defTabSz="914400" rtl="0" eaLnBrk="1" latinLnBrk="0" hangingPunct="1">
+        <a:defRPr sz="1800" kern="1200">
           <a:solidFill>
             <a:schemeClr val="tx1"/>
           </a:solidFill>
@@ -3450,8 +3043,8 @@
           <a:cs typeface="+mn-cs"/>
         </a:defRPr>
       </a:lvl6pPr>
-      <a:lvl7pPr marL="2618199" algn="l" defTabSz="872733" rtl="0" eaLnBrk="1" latinLnBrk="0" hangingPunct="1">
-        <a:defRPr sz="1700" kern="1200">
+      <a:lvl7pPr marL="2743200" algn="l" defTabSz="914400" rtl="0" eaLnBrk="1" latinLnBrk="0" hangingPunct="1">
+        <a:defRPr sz="1800" kern="1200">
           <a:solidFill>
             <a:schemeClr val="tx1"/>
           </a:solidFill>
@@ -3460,8 +3053,8 @@
           <a:cs typeface="+mn-cs"/>
         </a:defRPr>
       </a:lvl7pPr>
-      <a:lvl8pPr marL="3054566" algn="l" defTabSz="872733" rtl="0" eaLnBrk="1" latinLnBrk="0" hangingPunct="1">
-        <a:defRPr sz="1700" kern="1200">
+      <a:lvl8pPr marL="3200400" algn="l" defTabSz="914400" rtl="0" eaLnBrk="1" latinLnBrk="0" hangingPunct="1">
+        <a:defRPr sz="1800" kern="1200">
           <a:solidFill>
             <a:schemeClr val="tx1"/>
           </a:solidFill>
@@ -3470,8 +3063,8 @@
           <a:cs typeface="+mn-cs"/>
         </a:defRPr>
       </a:lvl8pPr>
-      <a:lvl9pPr marL="3490932" algn="l" defTabSz="872733" rtl="0" eaLnBrk="1" latinLnBrk="0" hangingPunct="1">
-        <a:defRPr sz="1700" kern="1200">
+      <a:lvl9pPr marL="3657600" algn="l" defTabSz="914400" rtl="0" eaLnBrk="1" latinLnBrk="0" hangingPunct="1">
+        <a:defRPr sz="1800" kern="1200">
           <a:solidFill>
             <a:schemeClr val="tx1"/>
           </a:solidFill>
@@ -3504,7 +3097,7 @@
       </p:grpSpPr>
       <p:sp>
         <p:nvSpPr>
-          <p:cNvPr id="39" name="Rectangle 5"/>
+          <p:cNvPr id="201" name="Rectangle 5"/>
           <p:cNvSpPr>
             <a:spLocks noChangeArrowheads="1"/>
           </p:cNvSpPr>
@@ -3512,7 +3105,7 @@
         </p:nvSpPr>
         <p:spPr bwMode="auto">
           <a:xfrm>
-            <a:off x="6088411" y="997236"/>
+            <a:off x="3131840" y="1437928"/>
             <a:ext cx="2876077" cy="440692"/>
           </a:xfrm>
           <a:prstGeom prst="rect">
@@ -3551,7 +3144,7 @@
       </p:sp>
       <p:sp>
         <p:nvSpPr>
-          <p:cNvPr id="40" name="Rectangle 6"/>
+          <p:cNvPr id="202" name="Rectangle 6"/>
           <p:cNvSpPr>
             <a:spLocks noChangeArrowheads="1"/>
           </p:cNvSpPr>
@@ -3559,7 +3152,7 @@
         </p:nvSpPr>
         <p:spPr bwMode="auto">
           <a:xfrm>
-            <a:off x="6088411" y="1416074"/>
+            <a:off x="3131840" y="1856766"/>
             <a:ext cx="2876077" cy="788790"/>
           </a:xfrm>
           <a:prstGeom prst="rect">
@@ -3615,7 +3208,7 @@
       </p:sp>
       <p:sp>
         <p:nvSpPr>
-          <p:cNvPr id="41" name="Rectangle 7"/>
+          <p:cNvPr id="203" name="Rectangle 7"/>
           <p:cNvSpPr>
             <a:spLocks noChangeArrowheads="1"/>
           </p:cNvSpPr>
@@ -3623,7 +3216,7 @@
         </p:nvSpPr>
         <p:spPr bwMode="auto">
           <a:xfrm>
-            <a:off x="6084169" y="2204864"/>
+            <a:off x="3127598" y="2645556"/>
             <a:ext cx="2879168" cy="864096"/>
           </a:xfrm>
           <a:prstGeom prst="rect">
@@ -3678,6 +3271,11 @@
         </p:txBody>
       </p:sp>
     </p:spTree>
+    <p:extLst>
+      <p:ext uri="{BB962C8B-B14F-4D97-AF65-F5344CB8AC3E}">
+        <p14:creationId xmlns:p14="http://schemas.microsoft.com/office/powerpoint/2010/main" val="26466125"/>
+      </p:ext>
+    </p:extLst>
   </p:cSld>
   <p:clrMapOvr>
     <a:masterClrMapping/>
@@ -3767,6 +3365,7 @@
         <a:font script="Mong" typeface="Mongolian Baiti"/>
         <a:font script="Viet" typeface="Times New Roman"/>
         <a:font script="Uigh" typeface="Microsoft Uighur"/>
+        <a:font script="Geor" typeface="Sylfaen"/>
       </a:majorFont>
       <a:minorFont>
         <a:latin typeface="Calibri"/>
@@ -3801,289 +3400,7 @@
         <a:font script="Mong" typeface="Mongolian Baiti"/>
         <a:font script="Viet" typeface="Arial"/>
         <a:font script="Uigh" typeface="Microsoft Uighur"/>
-      </a:minorFont>
-    </a:fontScheme>
-    <a:fmtScheme name="Office">
-      <a:fillStyleLst>
-        <a:solidFill>
-          <a:schemeClr val="phClr"/>
-        </a:solidFill>
-        <a:gradFill rotWithShape="1">
-          <a:gsLst>
-            <a:gs pos="0">
-              <a:schemeClr val="phClr">
-                <a:tint val="50000"/>
-                <a:satMod val="300000"/>
-              </a:schemeClr>
-            </a:gs>
-            <a:gs pos="35000">
-              <a:schemeClr val="phClr">
-                <a:tint val="37000"/>
-                <a:satMod val="300000"/>
-              </a:schemeClr>
-            </a:gs>
-            <a:gs pos="100000">
-              <a:schemeClr val="phClr">
-                <a:tint val="15000"/>
-                <a:satMod val="350000"/>
-              </a:schemeClr>
-            </a:gs>
-          </a:gsLst>
-          <a:lin ang="16200000" scaled="1"/>
-        </a:gradFill>
-        <a:gradFill rotWithShape="1">
-          <a:gsLst>
-            <a:gs pos="0">
-              <a:schemeClr val="phClr">
-                <a:shade val="51000"/>
-                <a:satMod val="130000"/>
-              </a:schemeClr>
-            </a:gs>
-            <a:gs pos="80000">
-              <a:schemeClr val="phClr">
-                <a:shade val="93000"/>
-                <a:satMod val="130000"/>
-              </a:schemeClr>
-            </a:gs>
-            <a:gs pos="100000">
-              <a:schemeClr val="phClr">
-                <a:shade val="94000"/>
-                <a:satMod val="135000"/>
-              </a:schemeClr>
-            </a:gs>
-          </a:gsLst>
-          <a:lin ang="16200000" scaled="0"/>
-        </a:gradFill>
-      </a:fillStyleLst>
-      <a:lnStyleLst>
-        <a:ln w="9525" cap="flat" cmpd="sng" algn="ctr">
-          <a:solidFill>
-            <a:schemeClr val="phClr">
-              <a:shade val="95000"/>
-              <a:satMod val="105000"/>
-            </a:schemeClr>
-          </a:solidFill>
-          <a:prstDash val="solid"/>
-        </a:ln>
-        <a:ln w="25400" cap="flat" cmpd="sng" algn="ctr">
-          <a:solidFill>
-            <a:schemeClr val="phClr"/>
-          </a:solidFill>
-          <a:prstDash val="solid"/>
-        </a:ln>
-        <a:ln w="38100" cap="flat" cmpd="sng" algn="ctr">
-          <a:solidFill>
-            <a:schemeClr val="phClr"/>
-          </a:solidFill>
-          <a:prstDash val="solid"/>
-        </a:ln>
-      </a:lnStyleLst>
-      <a:effectStyleLst>
-        <a:effectStyle>
-          <a:effectLst>
-            <a:outerShdw blurRad="40000" dist="20000" dir="5400000" rotWithShape="0">
-              <a:srgbClr val="000000">
-                <a:alpha val="38000"/>
-              </a:srgbClr>
-            </a:outerShdw>
-          </a:effectLst>
-        </a:effectStyle>
-        <a:effectStyle>
-          <a:effectLst>
-            <a:outerShdw blurRad="40000" dist="23000" dir="5400000" rotWithShape="0">
-              <a:srgbClr val="000000">
-                <a:alpha val="35000"/>
-              </a:srgbClr>
-            </a:outerShdw>
-          </a:effectLst>
-        </a:effectStyle>
-        <a:effectStyle>
-          <a:effectLst>
-            <a:outerShdw blurRad="40000" dist="23000" dir="5400000" rotWithShape="0">
-              <a:srgbClr val="000000">
-                <a:alpha val="35000"/>
-              </a:srgbClr>
-            </a:outerShdw>
-          </a:effectLst>
-          <a:scene3d>
-            <a:camera prst="orthographicFront">
-              <a:rot lat="0" lon="0" rev="0"/>
-            </a:camera>
-            <a:lightRig rig="threePt" dir="t">
-              <a:rot lat="0" lon="0" rev="1200000"/>
-            </a:lightRig>
-          </a:scene3d>
-          <a:sp3d>
-            <a:bevelT w="63500" h="25400"/>
-          </a:sp3d>
-        </a:effectStyle>
-      </a:effectStyleLst>
-      <a:bgFillStyleLst>
-        <a:solidFill>
-          <a:schemeClr val="phClr"/>
-        </a:solidFill>
-        <a:gradFill rotWithShape="1">
-          <a:gsLst>
-            <a:gs pos="0">
-              <a:schemeClr val="phClr">
-                <a:tint val="40000"/>
-                <a:satMod val="350000"/>
-              </a:schemeClr>
-            </a:gs>
-            <a:gs pos="40000">
-              <a:schemeClr val="phClr">
-                <a:tint val="45000"/>
-                <a:shade val="99000"/>
-                <a:satMod val="350000"/>
-              </a:schemeClr>
-            </a:gs>
-            <a:gs pos="100000">
-              <a:schemeClr val="phClr">
-                <a:shade val="20000"/>
-                <a:satMod val="255000"/>
-              </a:schemeClr>
-            </a:gs>
-          </a:gsLst>
-          <a:path path="circle">
-            <a:fillToRect l="50000" t="-80000" r="50000" b="180000"/>
-          </a:path>
-        </a:gradFill>
-        <a:gradFill rotWithShape="1">
-          <a:gsLst>
-            <a:gs pos="0">
-              <a:schemeClr val="phClr">
-                <a:tint val="80000"/>
-                <a:satMod val="300000"/>
-              </a:schemeClr>
-            </a:gs>
-            <a:gs pos="100000">
-              <a:schemeClr val="phClr">
-                <a:shade val="30000"/>
-                <a:satMod val="200000"/>
-              </a:schemeClr>
-            </a:gs>
-          </a:gsLst>
-          <a:path path="circle">
-            <a:fillToRect l="50000" t="50000" r="50000" b="50000"/>
-          </a:path>
-        </a:gradFill>
-      </a:bgFillStyleLst>
-    </a:fmtScheme>
-  </a:themeElements>
-  <a:objectDefaults/>
-  <a:extraClrSchemeLst/>
-</a:theme>
-</file>
-
-<file path=ppt/theme/theme2.xml><?xml version="1.0" encoding="utf-8"?>
-<a:theme xmlns:a="http://schemas.openxmlformats.org/drawingml/2006/main" name="Office Theme">
-  <a:themeElements>
-    <a:clrScheme name="Office">
-      <a:dk1>
-        <a:sysClr val="windowText" lastClr="000000"/>
-      </a:dk1>
-      <a:lt1>
-        <a:sysClr val="window" lastClr="FFFFFF"/>
-      </a:lt1>
-      <a:dk2>
-        <a:srgbClr val="1F497D"/>
-      </a:dk2>
-      <a:lt2>
-        <a:srgbClr val="EEECE1"/>
-      </a:lt2>
-      <a:accent1>
-        <a:srgbClr val="4F81BD"/>
-      </a:accent1>
-      <a:accent2>
-        <a:srgbClr val="C0504D"/>
-      </a:accent2>
-      <a:accent3>
-        <a:srgbClr val="9BBB59"/>
-      </a:accent3>
-      <a:accent4>
-        <a:srgbClr val="8064A2"/>
-      </a:accent4>
-      <a:accent5>
-        <a:srgbClr val="4BACC6"/>
-      </a:accent5>
-      <a:accent6>
-        <a:srgbClr val="F79646"/>
-      </a:accent6>
-      <a:hlink>
-        <a:srgbClr val="0000FF"/>
-      </a:hlink>
-      <a:folHlink>
-        <a:srgbClr val="800080"/>
-      </a:folHlink>
-    </a:clrScheme>
-    <a:fontScheme name="Office">
-      <a:majorFont>
-        <a:latin typeface="Calibri"/>
-        <a:ea typeface=""/>
-        <a:cs typeface=""/>
-        <a:font script="Jpan" typeface="ＭＳ Ｐゴシック"/>
-        <a:font script="Hang" typeface="맑은 고딕"/>
-        <a:font script="Hans" typeface="宋体"/>
-        <a:font script="Hant" typeface="新細明體"/>
-        <a:font script="Arab" typeface="Times New Roman"/>
-        <a:font script="Hebr" typeface="Times New Roman"/>
-        <a:font script="Thai" typeface="Angsana New"/>
-        <a:font script="Ethi" typeface="Nyala"/>
-        <a:font script="Beng" typeface="Vrinda"/>
-        <a:font script="Gujr" typeface="Shruti"/>
-        <a:font script="Khmr" typeface="MoolBoran"/>
-        <a:font script="Knda" typeface="Tunga"/>
-        <a:font script="Guru" typeface="Raavi"/>
-        <a:font script="Cans" typeface="Euphemia"/>
-        <a:font script="Cher" typeface="Plantagenet Cherokee"/>
-        <a:font script="Yiii" typeface="Microsoft Yi Baiti"/>
-        <a:font script="Tibt" typeface="Microsoft Himalaya"/>
-        <a:font script="Thaa" typeface="MV Boli"/>
-        <a:font script="Deva" typeface="Mangal"/>
-        <a:font script="Telu" typeface="Gautami"/>
-        <a:font script="Taml" typeface="Latha"/>
-        <a:font script="Syrc" typeface="Estrangelo Edessa"/>
-        <a:font script="Orya" typeface="Kalinga"/>
-        <a:font script="Mlym" typeface="Kartika"/>
-        <a:font script="Laoo" typeface="DokChampa"/>
-        <a:font script="Sinh" typeface="Iskoola Pota"/>
-        <a:font script="Mong" typeface="Mongolian Baiti"/>
-        <a:font script="Viet" typeface="Times New Roman"/>
-        <a:font script="Uigh" typeface="Microsoft Uighur"/>
-      </a:majorFont>
-      <a:minorFont>
-        <a:latin typeface="Calibri"/>
-        <a:ea typeface=""/>
-        <a:cs typeface=""/>
-        <a:font script="Jpan" typeface="ＭＳ Ｐゴシック"/>
-        <a:font script="Hang" typeface="맑은 고딕"/>
-        <a:font script="Hans" typeface="宋体"/>
-        <a:font script="Hant" typeface="新細明體"/>
-        <a:font script="Arab" typeface="Arial"/>
-        <a:font script="Hebr" typeface="Arial"/>
-        <a:font script="Thai" typeface="Cordia New"/>
-        <a:font script="Ethi" typeface="Nyala"/>
-        <a:font script="Beng" typeface="Vrinda"/>
-        <a:font script="Gujr" typeface="Shruti"/>
-        <a:font script="Khmr" typeface="DaunPenh"/>
-        <a:font script="Knda" typeface="Tunga"/>
-        <a:font script="Guru" typeface="Raavi"/>
-        <a:font script="Cans" typeface="Euphemia"/>
-        <a:font script="Cher" typeface="Plantagenet Cherokee"/>
-        <a:font script="Yiii" typeface="Microsoft Yi Baiti"/>
-        <a:font script="Tibt" typeface="Microsoft Himalaya"/>
-        <a:font script="Thaa" typeface="MV Boli"/>
-        <a:font script="Deva" typeface="Mangal"/>
-        <a:font script="Telu" typeface="Gautami"/>
-        <a:font script="Taml" typeface="Latha"/>
-        <a:font script="Syrc" typeface="Estrangelo Edessa"/>
-        <a:font script="Orya" typeface="Kalinga"/>
-        <a:font script="Mlym" typeface="Kartika"/>
-        <a:font script="Laoo" typeface="DokChampa"/>
-        <a:font script="Sinh" typeface="Iskoola Pota"/>
-        <a:font script="Mong" typeface="Mongolian Baiti"/>
-        <a:font script="Viet" typeface="Arial"/>
-        <a:font script="Uigh" typeface="Microsoft Uighur"/>
+        <a:font script="Geor" typeface="Sylfaen"/>
       </a:minorFont>
     </a:fontScheme>
     <a:fmtScheme name="Office">
